--- a/report_sources/Pilot_results.pptx
+++ b/report_sources/Pilot_results.pptx
@@ -9,6 +9,9 @@
     <p:sldId id="257" r:id="rId3"/>
     <p:sldId id="258" r:id="rId4"/>
     <p:sldId id="259" r:id="rId5"/>
+    <p:sldId id="260" r:id="rId6"/>
+    <p:sldId id="261" r:id="rId7"/>
+    <p:sldId id="262" r:id="rId8"/>
   </p:sldIdLst>
   <p:sldSz cx="9144000" cy="5143500" type="screen16x9"/>
   <p:notesSz cx="6858000" cy="9144000"/>
@@ -3418,6 +3421,776 @@
           </a:p>
         </p:txBody>
       </p:sp>
+    </p:spTree>
+  </p:cSld>
+</p:sld>
+</file>
+
+<file path=ppt/slides/slide5.xml><?xml version="1.0" encoding="utf-8"?>
+<p:sld xmlns:a="http://schemas.openxmlformats.org/drawingml/2006/main" xmlns:r="http://schemas.openxmlformats.org/officeDocument/2006/relationships" xmlns:p="http://schemas.openxmlformats.org/presentationml/2006/main">
+  <p:cSld>
+    <p:spTree>
+      <p:nvGrpSpPr>
+        <p:cNvPr id="1" name=""/>
+        <p:cNvGrpSpPr/>
+        <p:nvPr/>
+      </p:nvGrpSpPr>
+      <p:grpSpPr>
+        <a:xfrm>
+          <a:off x="0" y="0"/>
+          <a:ext cx="0" cy="0"/>
+          <a:chOff x="0" y="0"/>
+          <a:chExt cx="0" cy="0"/>
+        </a:xfrm>
+      </p:grpSpPr>
+      <p:sp>
+        <p:nvSpPr>
+          <p:cNvPr id="2" name="Title 1"/>
+          <p:cNvSpPr>
+            <a:spLocks noGrp="1"/>
+          </p:cNvSpPr>
+          <p:nvPr>
+            <p:ph type="title"/>
+          </p:nvPr>
+        </p:nvSpPr>
+        <p:spPr/>
+        <p:txBody>
+          <a:bodyPr/>
+          <a:lstStyle/>
+          <a:p>
+            <a:pPr lvl="0" indent="0" marL="0">
+              <a:buNone/>
+            </a:pPr>
+            <a:r>
+              <a:rPr/>
+              <a:t>API</a:t>
+            </a:r>
+          </a:p>
+        </p:txBody>
+      </p:sp>
+    </p:spTree>
+  </p:cSld>
+</p:sld>
+</file>
+
+<file path=ppt/slides/slide6.xml><?xml version="1.0" encoding="utf-8"?>
+<p:sld xmlns:a="http://schemas.openxmlformats.org/drawingml/2006/main" xmlns:r="http://schemas.openxmlformats.org/officeDocument/2006/relationships" xmlns:p="http://schemas.openxmlformats.org/presentationml/2006/main">
+  <p:cSld>
+    <p:spTree>
+      <p:nvGrpSpPr>
+        <p:cNvPr id="1" name=""/>
+        <p:cNvGrpSpPr/>
+        <p:nvPr/>
+      </p:nvGrpSpPr>
+      <p:grpSpPr>
+        <a:xfrm>
+          <a:off x="0" y="0"/>
+          <a:ext cx="0" cy="0"/>
+          <a:chOff x="0" y="0"/>
+          <a:chExt cx="0" cy="0"/>
+        </a:xfrm>
+      </p:grpSpPr>
+      <p:sp>
+        <p:nvSpPr>
+          <p:cNvPr id="2" name="Title 1"/>
+          <p:cNvSpPr>
+            <a:spLocks noGrp="1"/>
+          </p:cNvSpPr>
+          <p:nvPr>
+            <p:ph type="title"/>
+          </p:nvPr>
+        </p:nvSpPr>
+        <p:spPr/>
+        <p:txBody>
+          <a:bodyPr/>
+          <a:lstStyle/>
+          <a:p>
+            <a:pPr lvl="0" indent="0" marL="0">
+              <a:buNone/>
+            </a:pPr>
+            <a:r>
+              <a:rPr/>
+              <a:t>Load packages</a:t>
+            </a:r>
+          </a:p>
+        </p:txBody>
+      </p:sp>
+    </p:spTree>
+  </p:cSld>
+</p:sld>
+</file>
+
+<file path=ppt/slides/slide7.xml><?xml version="1.0" encoding="utf-8"?>
+<p:sld xmlns:a="http://schemas.openxmlformats.org/drawingml/2006/main" xmlns:r="http://schemas.openxmlformats.org/officeDocument/2006/relationships" xmlns:p="http://schemas.openxmlformats.org/presentationml/2006/main">
+  <p:cSld>
+    <p:spTree>
+      <p:nvGrpSpPr>
+        <p:cNvPr id="1" name=""/>
+        <p:cNvGrpSpPr/>
+        <p:nvPr/>
+      </p:nvGrpSpPr>
+      <p:grpSpPr>
+        <a:xfrm>
+          <a:off x="0" y="0"/>
+          <a:ext cx="0" cy="0"/>
+          <a:chOff x="0" y="0"/>
+          <a:chExt cx="0" cy="0"/>
+        </a:xfrm>
+      </p:grpSpPr>
+      <p:graphicFrame>
+        <p:nvGraphicFramePr>
+          <p:cNvPr id="6" name="Content Placeholder 5"/>
+          <p:cNvGraphicFramePr>
+            <a:graphicFrameLocks noGrp="1"/>
+          </p:cNvGraphicFramePr>
+          <p:nvPr>
+            <p:ph idx="1"/>
+          </p:nvPr>
+        </p:nvGraphicFramePr>
+        <p:xfrm>
+          <a:off x="457200" y="1193800"/>
+          <a:ext cx="8229600" cy="3390900"/>
+        </p:xfrm>
+        <a:graphic>
+          <a:graphicData uri="http://schemas.openxmlformats.org/drawingml/2006/table">
+            <a:tbl>
+              <a:tblPr firstRow="1" bandRow="1">
+                <a:tableStyleId>{5C22544A-7EE6-4342-B048-85BDC9FD1C3A}</a:tableStyleId>
+              </a:tblPr>
+              <a:tblGrid>
+                <a:gridCol w="1371600"/>
+                <a:gridCol w="1371600"/>
+                <a:gridCol w="1371600"/>
+                <a:gridCol w="1371600"/>
+                <a:gridCol w="1371600"/>
+                <a:gridCol w="1371600"/>
+              </a:tblGrid>
+              <a:tr h="0">
+                <a:tc>
+                  <a:txBody>
+                    <a:bodyPr/>
+                    <a:lstStyle/>
+                    <a:p>
+                      <a:pPr lvl="0" indent="0" marL="0">
+                        <a:buNone/>
+                      </a:pPr>
+                      <a:r>
+                        <a:rPr b="1"/>
+                        <a:t>Caraterísticas</a:t>
+                      </a:r>
+                    </a:p>
+                  </a:txBody>
+                  <a:tcPr/>
+                </a:tc>
+                <a:tc>
+                  <a:txBody>
+                    <a:bodyPr/>
+                    <a:lstStyle/>
+                    <a:p>
+                      <a:pPr lvl="0" indent="0" marL="0">
+                        <a:buNone/>
+                      </a:pPr>
+                      <a:r>
+                        <a:rPr b="1"/>
+                        <a:t>Total</a:t>
+                      </a:r>
+                      <a:r>
+                        <a:rPr/>
+                        <a:t> (n = 75)</a:t>
+                      </a:r>
+                      <a:r>
+                        <a:rPr baseline="30000"/>
+                        <a:t>1</a:t>
+                      </a:r>
+                    </a:p>
+                  </a:txBody>
+                  <a:tcPr/>
+                </a:tc>
+                <a:tc>
+                  <a:txBody>
+                    <a:bodyPr/>
+                    <a:lstStyle/>
+                    <a:p>
+                      <a:pPr lvl="0" indent="0" marL="0">
+                        <a:buNone/>
+                      </a:pPr>
+                      <a:r>
+                        <a:rPr b="1"/>
+                        <a:t>Jorge Basadre - VMT</a:t>
+                      </a:r>
+                      <a:r>
+                        <a:rPr baseline="30000"/>
+                        <a:t>1</a:t>
+                      </a:r>
+                    </a:p>
+                  </a:txBody>
+                  <a:tcPr/>
+                </a:tc>
+                <a:tc>
+                  <a:txBody>
+                    <a:bodyPr/>
+                    <a:lstStyle/>
+                    <a:p>
+                      <a:pPr lvl="0" indent="0" marL="0">
+                        <a:buNone/>
+                      </a:pPr>
+                      <a:r>
+                        <a:rPr b="1"/>
+                        <a:t>Santísima Virgen de Chapi - Pachacamac</a:t>
+                      </a:r>
+                      <a:r>
+                        <a:rPr baseline="30000"/>
+                        <a:t>1</a:t>
+                      </a:r>
+                    </a:p>
+                  </a:txBody>
+                  <a:tcPr/>
+                </a:tc>
+                <a:tc>
+                  <a:txBody>
+                    <a:bodyPr/>
+                    <a:lstStyle/>
+                    <a:p>
+                      <a:pPr lvl="0" indent="0" marL="0">
+                        <a:buNone/>
+                      </a:pPr>
+                      <a:r>
+                        <a:rPr b="1"/>
+                        <a:t>0028 Jesus y María - La Molina</a:t>
+                      </a:r>
+                      <a:r>
+                        <a:rPr baseline="30000"/>
+                        <a:t>1</a:t>
+                      </a:r>
+                    </a:p>
+                  </a:txBody>
+                  <a:tcPr/>
+                </a:tc>
+                <a:tc>
+                  <a:txBody>
+                    <a:bodyPr/>
+                    <a:lstStyle/>
+                    <a:p>
+                      <a:pPr lvl="0" indent="0" marL="0">
+                        <a:buNone/>
+                      </a:pPr>
+                      <a:r>
+                        <a:rPr b="1"/>
+                        <a:t>p-value</a:t>
+                      </a:r>
+                      <a:r>
+                        <a:rPr baseline="30000"/>
+                        <a:t>2</a:t>
+                      </a:r>
+                    </a:p>
+                  </a:txBody>
+                  <a:tcPr/>
+                </a:tc>
+              </a:tr>
+              <a:tr h="0">
+                <a:tc>
+                  <a:txBody>
+                    <a:bodyPr/>
+                    <a:lstStyle/>
+                    <a:p>
+                      <a:pPr lvl="0" indent="0" marL="0">
+                        <a:buNone/>
+                      </a:pPr>
+                      <a:r>
+                        <a:rPr/>
+                        <a:t>Glucosa en ayunas (mg/dL)</a:t>
+                      </a:r>
+                    </a:p>
+                  </a:txBody>
+                </a:tc>
+                <a:tc>
+                  <a:txBody>
+                    <a:bodyPr/>
+                    <a:lstStyle/>
+                    <a:p>
+                      <a:pPr lvl="0" indent="0" marL="0">
+                        <a:buNone/>
+                      </a:pPr>
+                      <a:r>
+                        <a:rPr/>
+                        <a:t>86.00 (82.00, 91.00)</a:t>
+                      </a:r>
+                    </a:p>
+                  </a:txBody>
+                </a:tc>
+                <a:tc>
+                  <a:txBody>
+                    <a:bodyPr/>
+                    <a:lstStyle/>
+                    <a:p>
+                      <a:pPr lvl="0" indent="0" marL="0">
+                        <a:buNone/>
+                      </a:pPr>
+                      <a:r>
+                        <a:rPr/>
+                        <a:t>87.00 (83.00, 91.00)</a:t>
+                      </a:r>
+                    </a:p>
+                  </a:txBody>
+                </a:tc>
+                <a:tc>
+                  <a:txBody>
+                    <a:bodyPr/>
+                    <a:lstStyle/>
+                    <a:p>
+                      <a:pPr lvl="0" indent="0" marL="0">
+                        <a:buNone/>
+                      </a:pPr>
+                      <a:r>
+                        <a:rPr/>
+                        <a:t>87.00 (82.00, 93.00)</a:t>
+                      </a:r>
+                    </a:p>
+                  </a:txBody>
+                </a:tc>
+                <a:tc>
+                  <a:txBody>
+                    <a:bodyPr/>
+                    <a:lstStyle/>
+                    <a:p>
+                      <a:pPr lvl="0" indent="0" marL="0">
+                        <a:buNone/>
+                      </a:pPr>
+                      <a:r>
+                        <a:rPr/>
+                        <a:t>83.00 (80.00, 89.00)</a:t>
+                      </a:r>
+                    </a:p>
+                  </a:txBody>
+                </a:tc>
+                <a:tc>
+                  <a:txBody>
+                    <a:bodyPr/>
+                    <a:lstStyle/>
+                    <a:p>
+                      <a:pPr lvl="0" indent="0" marL="0">
+                        <a:buNone/>
+                      </a:pPr>
+                      <a:r>
+                        <a:rPr/>
+                        <a:t>0.051</a:t>
+                      </a:r>
+                    </a:p>
+                  </a:txBody>
+                </a:tc>
+              </a:tr>
+              <a:tr h="0">
+                <a:tc>
+                  <a:txBody>
+                    <a:bodyPr/>
+                    <a:lstStyle/>
+                    <a:p>
+                      <a:pPr lvl="0" indent="0" marL="0">
+                        <a:buNone/>
+                      </a:pPr>
+                      <a:r>
+                        <a:rPr/>
+                        <a:t>Triglicéridos (mg/dL)</a:t>
+                      </a:r>
+                    </a:p>
+                  </a:txBody>
+                </a:tc>
+                <a:tc>
+                  <a:txBody>
+                    <a:bodyPr/>
+                    <a:lstStyle/>
+                    <a:p>
+                      <a:pPr lvl="0" indent="0" marL="0">
+                        <a:buNone/>
+                      </a:pPr>
+                      <a:r>
+                        <a:rPr/>
+                        <a:t>100.00 (77.00, 123.00)</a:t>
+                      </a:r>
+                    </a:p>
+                  </a:txBody>
+                </a:tc>
+                <a:tc>
+                  <a:txBody>
+                    <a:bodyPr/>
+                    <a:lstStyle/>
+                    <a:p>
+                      <a:pPr lvl="0" indent="0" marL="0">
+                        <a:buNone/>
+                      </a:pPr>
+                      <a:r>
+                        <a:rPr/>
+                        <a:t>100.00 (84.00, 125.00)</a:t>
+                      </a:r>
+                    </a:p>
+                  </a:txBody>
+                </a:tc>
+                <a:tc>
+                  <a:txBody>
+                    <a:bodyPr/>
+                    <a:lstStyle/>
+                    <a:p>
+                      <a:pPr lvl="0" indent="0" marL="0">
+                        <a:buNone/>
+                      </a:pPr>
+                      <a:r>
+                        <a:rPr/>
+                        <a:t>105.00 (75.00, 118.00)</a:t>
+                      </a:r>
+                    </a:p>
+                  </a:txBody>
+                </a:tc>
+                <a:tc>
+                  <a:txBody>
+                    <a:bodyPr/>
+                    <a:lstStyle/>
+                    <a:p>
+                      <a:pPr lvl="0" indent="0" marL="0">
+                        <a:buNone/>
+                      </a:pPr>
+                      <a:r>
+                        <a:rPr/>
+                        <a:t>102.00 (78.00, 121.00)</a:t>
+                      </a:r>
+                    </a:p>
+                  </a:txBody>
+                </a:tc>
+                <a:tc>
+                  <a:txBody>
+                    <a:bodyPr/>
+                    <a:lstStyle/>
+                    <a:p>
+                      <a:pPr lvl="0" indent="0" marL="0">
+                        <a:buNone/>
+                      </a:pPr>
+                      <a:r>
+                        <a:rPr/>
+                        <a:t>0.948</a:t>
+                      </a:r>
+                    </a:p>
+                  </a:txBody>
+                </a:tc>
+              </a:tr>
+              <a:tr h="0">
+                <a:tc>
+                  <a:txBody>
+                    <a:bodyPr/>
+                    <a:lstStyle/>
+                    <a:p>
+                      <a:pPr lvl="0" indent="0" marL="0">
+                        <a:buNone/>
+                      </a:pPr>
+                      <a:r>
+                        <a:rPr/>
+                        <a:t>LHDL-c (mg/dL)</a:t>
+                      </a:r>
+                    </a:p>
+                  </a:txBody>
+                </a:tc>
+                <a:tc>
+                  <a:txBody>
+                    <a:bodyPr/>
+                    <a:lstStyle/>
+                    <a:p>
+                      <a:pPr lvl="0" indent="0" marL="0">
+                        <a:buNone/>
+                      </a:pPr>
+                      <a:r>
+                        <a:rPr/>
+                        <a:t>43.00 (36.00, 51.00)</a:t>
+                      </a:r>
+                    </a:p>
+                  </a:txBody>
+                </a:tc>
+                <a:tc>
+                  <a:txBody>
+                    <a:bodyPr/>
+                    <a:lstStyle/>
+                    <a:p>
+                      <a:pPr lvl="0" indent="0" marL="0">
+                        <a:buNone/>
+                      </a:pPr>
+                      <a:r>
+                        <a:rPr/>
+                        <a:t>44.00 (37.00, 50.00)</a:t>
+                      </a:r>
+                    </a:p>
+                  </a:txBody>
+                </a:tc>
+                <a:tc>
+                  <a:txBody>
+                    <a:bodyPr/>
+                    <a:lstStyle/>
+                    <a:p>
+                      <a:pPr lvl="0" indent="0" marL="0">
+                        <a:buNone/>
+                      </a:pPr>
+                      <a:r>
+                        <a:rPr/>
+                        <a:t>40.00 (35.00, 48.00)</a:t>
+                      </a:r>
+                    </a:p>
+                  </a:txBody>
+                </a:tc>
+                <a:tc>
+                  <a:txBody>
+                    <a:bodyPr/>
+                    <a:lstStyle/>
+                    <a:p>
+                      <a:pPr lvl="0" indent="0" marL="0">
+                        <a:buNone/>
+                      </a:pPr>
+                      <a:r>
+                        <a:rPr/>
+                        <a:t>44.00 (38.00, 51.00)</a:t>
+                      </a:r>
+                    </a:p>
+                  </a:txBody>
+                </a:tc>
+                <a:tc>
+                  <a:txBody>
+                    <a:bodyPr/>
+                    <a:lstStyle/>
+                    <a:p>
+                      <a:pPr lvl="0" indent="0" marL="0">
+                        <a:buNone/>
+                      </a:pPr>
+                      <a:r>
+                        <a:rPr/>
+                        <a:t>0.583</a:t>
+                      </a:r>
+                    </a:p>
+                  </a:txBody>
+                </a:tc>
+              </a:tr>
+              <a:tr h="0">
+                <a:tc>
+                  <a:txBody>
+                    <a:bodyPr/>
+                    <a:lstStyle/>
+                    <a:p>
+                      <a:pPr lvl="0" indent="0" marL="0">
+                        <a:buNone/>
+                      </a:pPr>
+                      <a:r>
+                        <a:rPr/>
+                        <a:t>Colesterol total (mg/dL)</a:t>
+                      </a:r>
+                    </a:p>
+                  </a:txBody>
+                </a:tc>
+                <a:tc>
+                  <a:txBody>
+                    <a:bodyPr/>
+                    <a:lstStyle/>
+                    <a:p>
+                      <a:pPr lvl="0" indent="0" marL="0">
+                        <a:buNone/>
+                      </a:pPr>
+                      <a:r>
+                        <a:rPr/>
+                        <a:t>134.00 (110.00, 158.00)</a:t>
+                      </a:r>
+                    </a:p>
+                  </a:txBody>
+                </a:tc>
+                <a:tc>
+                  <a:txBody>
+                    <a:bodyPr/>
+                    <a:lstStyle/>
+                    <a:p>
+                      <a:pPr lvl="0" indent="0" marL="0">
+                        <a:buNone/>
+                      </a:pPr>
+                      <a:r>
+                        <a:rPr/>
+                        <a:t>121.00 (112.00, 136.00)</a:t>
+                      </a:r>
+                    </a:p>
+                  </a:txBody>
+                </a:tc>
+                <a:tc>
+                  <a:txBody>
+                    <a:bodyPr/>
+                    <a:lstStyle/>
+                    <a:p>
+                      <a:pPr lvl="0" indent="0" marL="0">
+                        <a:buNone/>
+                      </a:pPr>
+                      <a:r>
+                        <a:rPr/>
+                        <a:t>140.00 (103.00, 159.00)</a:t>
+                      </a:r>
+                    </a:p>
+                  </a:txBody>
+                </a:tc>
+                <a:tc>
+                  <a:txBody>
+                    <a:bodyPr/>
+                    <a:lstStyle/>
+                    <a:p>
+                      <a:pPr lvl="0" indent="0" marL="0">
+                        <a:buNone/>
+                      </a:pPr>
+                      <a:r>
+                        <a:rPr/>
+                        <a:t>143.00 (122.00, 158.00)</a:t>
+                      </a:r>
+                    </a:p>
+                  </a:txBody>
+                </a:tc>
+                <a:tc>
+                  <a:txBody>
+                    <a:bodyPr/>
+                    <a:lstStyle/>
+                    <a:p>
+                      <a:pPr lvl="0" indent="0" marL="0">
+                        <a:buNone/>
+                      </a:pPr>
+                      <a:r>
+                        <a:rPr/>
+                        <a:t>0.050</a:t>
+                      </a:r>
+                    </a:p>
+                  </a:txBody>
+                </a:tc>
+              </a:tr>
+              <a:tr h="0">
+                <a:tc>
+                  <a:txBody>
+                    <a:bodyPr/>
+                    <a:lstStyle/>
+                    <a:p>
+                      <a:pPr lvl="0" indent="0" marL="0">
+                        <a:buNone/>
+                      </a:pPr>
+                      <a:r>
+                        <a:rPr baseline="30000"/>
+                        <a:t>1</a:t>
+                      </a:r>
+                      <a:r>
+                        <a:rPr/>
+                        <a:t> Median (Q1, Q3)</a:t>
+                      </a:r>
+                    </a:p>
+                  </a:txBody>
+                </a:tc>
+                <a:tc>
+                  <a:txBody>
+                    <a:bodyPr/>
+                    <a:lstStyle/>
+                    <a:p>
+                      <a:endParaRPr/>
+                    </a:p>
+                  </a:txBody>
+                </a:tc>
+                <a:tc>
+                  <a:txBody>
+                    <a:bodyPr/>
+                    <a:lstStyle/>
+                    <a:p>
+                      <a:endParaRPr/>
+                    </a:p>
+                  </a:txBody>
+                </a:tc>
+                <a:tc>
+                  <a:txBody>
+                    <a:bodyPr/>
+                    <a:lstStyle/>
+                    <a:p>
+                      <a:endParaRPr/>
+                    </a:p>
+                  </a:txBody>
+                </a:tc>
+                <a:tc>
+                  <a:txBody>
+                    <a:bodyPr/>
+                    <a:lstStyle/>
+                    <a:p>
+                      <a:endParaRPr/>
+                    </a:p>
+                  </a:txBody>
+                </a:tc>
+                <a:tc>
+                  <a:txBody>
+                    <a:bodyPr/>
+                    <a:lstStyle/>
+                    <a:p>
+                      <a:endParaRPr/>
+                    </a:p>
+                  </a:txBody>
+                </a:tc>
+              </a:tr>
+              <a:tr h="0">
+                <a:tc>
+                  <a:txBody>
+                    <a:bodyPr/>
+                    <a:lstStyle/>
+                    <a:p>
+                      <a:pPr lvl="0" indent="0" marL="0">
+                        <a:buNone/>
+                      </a:pPr>
+                      <a:r>
+                        <a:rPr baseline="30000"/>
+                        <a:t>2</a:t>
+                      </a:r>
+                      <a:r>
+                        <a:rPr/>
+                        <a:t> Kruskal-Wallis rank sum test</a:t>
+                      </a:r>
+                    </a:p>
+                  </a:txBody>
+                </a:tc>
+                <a:tc>
+                  <a:txBody>
+                    <a:bodyPr/>
+                    <a:lstStyle/>
+                    <a:p>
+                      <a:endParaRPr/>
+                    </a:p>
+                  </a:txBody>
+                </a:tc>
+                <a:tc>
+                  <a:txBody>
+                    <a:bodyPr/>
+                    <a:lstStyle/>
+                    <a:p>
+                      <a:endParaRPr/>
+                    </a:p>
+                  </a:txBody>
+                </a:tc>
+                <a:tc>
+                  <a:txBody>
+                    <a:bodyPr/>
+                    <a:lstStyle/>
+                    <a:p>
+                      <a:endParaRPr/>
+                    </a:p>
+                  </a:txBody>
+                </a:tc>
+                <a:tc>
+                  <a:txBody>
+                    <a:bodyPr/>
+                    <a:lstStyle/>
+                    <a:p>
+                      <a:endParaRPr/>
+                    </a:p>
+                  </a:txBody>
+                </a:tc>
+                <a:tc>
+                  <a:txBody>
+                    <a:bodyPr/>
+                    <a:lstStyle/>
+                    <a:p>
+                      <a:endParaRPr/>
+                    </a:p>
+                  </a:txBody>
+                </a:tc>
+              </a:tr>
+            </a:tbl>
+          </a:graphicData>
+        </a:graphic>
+      </p:graphicFrame>
     </p:spTree>
   </p:cSld>
 </p:sld>

--- a/report_sources/Pilot_results.pptx
+++ b/report_sources/Pilot_results.pptx
@@ -12,6 +12,8 @@
     <p:sldId id="260" r:id="rId6"/>
     <p:sldId id="261" r:id="rId7"/>
     <p:sldId id="262" r:id="rId8"/>
+    <p:sldId id="263" r:id="rId9"/>
+    <p:sldId id="264" r:id="rId10"/>
   </p:sldIdLst>
   <p:sldSz cx="9144000" cy="5143500" type="screen16x9"/>
   <p:notesSz cx="6858000" cy="9144000"/>
@@ -3537,6 +3539,31 @@
           <a:chExt cx="0" cy="0"/>
         </a:xfrm>
       </p:grpSpPr>
+      <p:sp>
+        <p:nvSpPr>
+          <p:cNvPr id="2" name="Title 1"/>
+          <p:cNvSpPr>
+            <a:spLocks noGrp="1"/>
+          </p:cNvSpPr>
+          <p:nvPr>
+            <p:ph type="title"/>
+          </p:nvPr>
+        </p:nvSpPr>
+        <p:spPr/>
+        <p:txBody>
+          <a:bodyPr/>
+          <a:lstStyle/>
+          <a:p>
+            <a:pPr lvl="0" indent="0" marL="0">
+              <a:buNone/>
+            </a:pPr>
+            <a:r>
+              <a:rPr/>
+              <a:t>Tabla 1. Biomarcadores</a:t>
+            </a:r>
+          </a:p>
+        </p:txBody>
+      </p:sp>
       <p:graphicFrame>
         <p:nvGraphicFramePr>
           <p:cNvPr id="6" name="Content Placeholder 5"/>
@@ -3549,7 +3576,7 @@
         </p:nvGraphicFramePr>
         <p:xfrm>
           <a:off x="457200" y="1193800"/>
-          <a:ext cx="8229600" cy="3390900"/>
+          <a:ext cx="8229600" cy="2882900"/>
         </p:xfrm>
         <a:graphic>
           <a:graphicData uri="http://schemas.openxmlformats.org/drawingml/2006/table">
@@ -3558,12 +3585,11 @@
                 <a:tableStyleId>{5C22544A-7EE6-4342-B048-85BDC9FD1C3A}</a:tableStyleId>
               </a:tblPr>
               <a:tblGrid>
-                <a:gridCol w="1371600"/>
-                <a:gridCol w="1371600"/>
-                <a:gridCol w="1371600"/>
-                <a:gridCol w="1371600"/>
-                <a:gridCol w="1371600"/>
-                <a:gridCol w="1371600"/>
+                <a:gridCol w="1638300"/>
+                <a:gridCol w="1638300"/>
+                <a:gridCol w="1638300"/>
+                <a:gridCol w="1638300"/>
+                <a:gridCol w="1638300"/>
               </a:tblGrid>
               <a:tr h="0">
                 <a:tc>
@@ -3616,7 +3642,11 @@
                       </a:pPr>
                       <a:r>
                         <a:rPr b="1"/>
-                        <a:t>Jorge Basadre - VMT</a:t>
+                        <a:t>Cluster 1</a:t>
+                      </a:r>
+                      <a:r>
+                        <a:rPr/>
+                        <a:t> (n = 46)</a:t>
                       </a:r>
                       <a:r>
                         <a:rPr baseline="30000"/>
@@ -3636,7 +3666,11 @@
                       </a:pPr>
                       <a:r>
                         <a:rPr b="1"/>
-                        <a:t>Santísima Virgen de Chapi - Pachacamac</a:t>
+                        <a:t>Cluster 2</a:t>
+                      </a:r>
+                      <a:r>
+                        <a:rPr/>
+                        <a:t> (n = 29)</a:t>
                       </a:r>
                       <a:r>
                         <a:rPr baseline="30000"/>
@@ -3656,497 +3690,630 @@
                       </a:pPr>
                       <a:r>
                         <a:rPr b="1"/>
-                        <a:t>0028 Jesus y María - La Molina</a:t>
-                      </a:r>
+                        <a:t>p-value</a:t>
+                      </a:r>
+                      <a:r>
+                        <a:rPr baseline="30000"/>
+                        <a:t>2</a:t>
+                      </a:r>
+                    </a:p>
+                  </a:txBody>
+                  <a:tcPr/>
+                </a:tc>
+              </a:tr>
+              <a:tr h="0">
+                <a:tc>
+                  <a:txBody>
+                    <a:bodyPr/>
+                    <a:lstStyle/>
+                    <a:p>
+                      <a:pPr lvl="0" indent="0" marL="0">
+                        <a:buNone/>
+                      </a:pPr>
+                      <a:r>
+                        <a:rPr/>
+                        <a:t>Glucosa en ayunas (mg/dL)</a:t>
+                      </a:r>
+                    </a:p>
+                  </a:txBody>
+                </a:tc>
+                <a:tc>
+                  <a:txBody>
+                    <a:bodyPr/>
+                    <a:lstStyle/>
+                    <a:p>
+                      <a:pPr lvl="0" indent="0" marL="0">
+                        <a:buNone/>
+                      </a:pPr>
+                      <a:r>
+                        <a:rPr/>
+                        <a:t>86.00 (82.00, 91.00)</a:t>
+                      </a:r>
+                    </a:p>
+                  </a:txBody>
+                </a:tc>
+                <a:tc>
+                  <a:txBody>
+                    <a:bodyPr/>
+                    <a:lstStyle/>
+                    <a:p>
+                      <a:pPr lvl="0" indent="0" marL="0">
+                        <a:buNone/>
+                      </a:pPr>
+                      <a:r>
+                        <a:rPr/>
+                        <a:t>87.00 (83.00, 93.00)</a:t>
+                      </a:r>
+                    </a:p>
+                  </a:txBody>
+                </a:tc>
+                <a:tc>
+                  <a:txBody>
+                    <a:bodyPr/>
+                    <a:lstStyle/>
+                    <a:p>
+                      <a:pPr lvl="0" indent="0" marL="0">
+                        <a:buNone/>
+                      </a:pPr>
+                      <a:r>
+                        <a:rPr/>
+                        <a:t>83.00 (80.00, 89.00)</a:t>
+                      </a:r>
+                    </a:p>
+                  </a:txBody>
+                </a:tc>
+                <a:tc>
+                  <a:txBody>
+                    <a:bodyPr/>
+                    <a:lstStyle/>
+                    <a:p>
+                      <a:pPr lvl="0" indent="0" marL="0">
+                        <a:buNone/>
+                      </a:pPr>
+                      <a:r>
+                        <a:rPr/>
+                        <a:t>0.018</a:t>
+                      </a:r>
+                    </a:p>
+                  </a:txBody>
+                </a:tc>
+              </a:tr>
+              <a:tr h="0">
+                <a:tc>
+                  <a:txBody>
+                    <a:bodyPr/>
+                    <a:lstStyle/>
+                    <a:p>
+                      <a:pPr lvl="0" indent="0" marL="0">
+                        <a:buNone/>
+                      </a:pPr>
+                      <a:r>
+                        <a:rPr/>
+                        <a:t>Triglicéridos (mg/dL)</a:t>
+                      </a:r>
+                    </a:p>
+                  </a:txBody>
+                </a:tc>
+                <a:tc>
+                  <a:txBody>
+                    <a:bodyPr/>
+                    <a:lstStyle/>
+                    <a:p>
+                      <a:pPr lvl="0" indent="0" marL="0">
+                        <a:buNone/>
+                      </a:pPr>
+                      <a:r>
+                        <a:rPr/>
+                        <a:t>100.00 (77.00, 123.00)</a:t>
+                      </a:r>
+                    </a:p>
+                  </a:txBody>
+                </a:tc>
+                <a:tc>
+                  <a:txBody>
+                    <a:bodyPr/>
+                    <a:lstStyle/>
+                    <a:p>
+                      <a:pPr lvl="0" indent="0" marL="0">
+                        <a:buNone/>
+                      </a:pPr>
+                      <a:r>
+                        <a:rPr/>
+                        <a:t>100.00 (76.00, 123.00)</a:t>
+                      </a:r>
+                    </a:p>
+                  </a:txBody>
+                </a:tc>
+                <a:tc>
+                  <a:txBody>
+                    <a:bodyPr/>
+                    <a:lstStyle/>
+                    <a:p>
+                      <a:pPr lvl="0" indent="0" marL="0">
+                        <a:buNone/>
+                      </a:pPr>
+                      <a:r>
+                        <a:rPr/>
+                        <a:t>102.00 (78.00, 121.00)</a:t>
+                      </a:r>
+                    </a:p>
+                  </a:txBody>
+                </a:tc>
+                <a:tc>
+                  <a:txBody>
+                    <a:bodyPr/>
+                    <a:lstStyle/>
+                    <a:p>
+                      <a:pPr lvl="0" indent="0" marL="0">
+                        <a:buNone/>
+                      </a:pPr>
+                      <a:r>
+                        <a:rPr/>
+                        <a:t>0.857</a:t>
+                      </a:r>
+                    </a:p>
+                  </a:txBody>
+                </a:tc>
+              </a:tr>
+              <a:tr h="0">
+                <a:tc>
+                  <a:txBody>
+                    <a:bodyPr/>
+                    <a:lstStyle/>
+                    <a:p>
+                      <a:pPr lvl="0" indent="0" marL="0">
+                        <a:buNone/>
+                      </a:pPr>
+                      <a:r>
+                        <a:rPr/>
+                        <a:t>HDL-c (mg/dL)</a:t>
+                      </a:r>
+                    </a:p>
+                  </a:txBody>
+                </a:tc>
+                <a:tc>
+                  <a:txBody>
+                    <a:bodyPr/>
+                    <a:lstStyle/>
+                    <a:p>
+                      <a:pPr lvl="0" indent="0" marL="0">
+                        <a:buNone/>
+                      </a:pPr>
+                      <a:r>
+                        <a:rPr/>
+                        <a:t>43.00 (36.00, 51.00)</a:t>
+                      </a:r>
+                    </a:p>
+                  </a:txBody>
+                </a:tc>
+                <a:tc>
+                  <a:txBody>
+                    <a:bodyPr/>
+                    <a:lstStyle/>
+                    <a:p>
+                      <a:pPr lvl="0" indent="0" marL="0">
+                        <a:buNone/>
+                      </a:pPr>
+                      <a:r>
+                        <a:rPr/>
+                        <a:t>42.50 (36.00, 50.00)</a:t>
+                      </a:r>
+                    </a:p>
+                  </a:txBody>
+                </a:tc>
+                <a:tc>
+                  <a:txBody>
+                    <a:bodyPr/>
+                    <a:lstStyle/>
+                    <a:p>
+                      <a:pPr lvl="0" indent="0" marL="0">
+                        <a:buNone/>
+                      </a:pPr>
+                      <a:r>
+                        <a:rPr/>
+                        <a:t>44.00 (38.00, 51.00)</a:t>
+                      </a:r>
+                    </a:p>
+                  </a:txBody>
+                </a:tc>
+                <a:tc>
+                  <a:txBody>
+                    <a:bodyPr/>
+                    <a:lstStyle/>
+                    <a:p>
+                      <a:pPr lvl="0" indent="0" marL="0">
+                        <a:buNone/>
+                      </a:pPr>
+                      <a:r>
+                        <a:rPr/>
+                        <a:t>0.439</a:t>
+                      </a:r>
+                    </a:p>
+                  </a:txBody>
+                </a:tc>
+              </a:tr>
+              <a:tr h="0">
+                <a:tc>
+                  <a:txBody>
+                    <a:bodyPr/>
+                    <a:lstStyle/>
+                    <a:p>
+                      <a:pPr lvl="0" indent="0" marL="0">
+                        <a:buNone/>
+                      </a:pPr>
+                      <a:r>
+                        <a:rPr/>
+                        <a:t>Colesterol total (mg/dL)</a:t>
+                      </a:r>
+                    </a:p>
+                  </a:txBody>
+                </a:tc>
+                <a:tc>
+                  <a:txBody>
+                    <a:bodyPr/>
+                    <a:lstStyle/>
+                    <a:p>
+                      <a:pPr lvl="0" indent="0" marL="0">
+                        <a:buNone/>
+                      </a:pPr>
+                      <a:r>
+                        <a:rPr/>
+                        <a:t>134.00 (110.00, 158.00)</a:t>
+                      </a:r>
+                    </a:p>
+                  </a:txBody>
+                </a:tc>
+                <a:tc>
+                  <a:txBody>
+                    <a:bodyPr/>
+                    <a:lstStyle/>
+                    <a:p>
+                      <a:pPr lvl="0" indent="0" marL="0">
+                        <a:buNone/>
+                      </a:pPr>
+                      <a:r>
+                        <a:rPr/>
+                        <a:t>122.00 (104.00, 154.00)</a:t>
+                      </a:r>
+                    </a:p>
+                  </a:txBody>
+                </a:tc>
+                <a:tc>
+                  <a:txBody>
+                    <a:bodyPr/>
+                    <a:lstStyle/>
+                    <a:p>
+                      <a:pPr lvl="0" indent="0" marL="0">
+                        <a:buNone/>
+                      </a:pPr>
+                      <a:r>
+                        <a:rPr/>
+                        <a:t>143.00 (122.00, 158.00)</a:t>
+                      </a:r>
+                    </a:p>
+                  </a:txBody>
+                </a:tc>
+                <a:tc>
+                  <a:txBody>
+                    <a:bodyPr/>
+                    <a:lstStyle/>
+                    <a:p>
+                      <a:pPr lvl="0" indent="0" marL="0">
+                        <a:buNone/>
+                      </a:pPr>
+                      <a:r>
+                        <a:rPr/>
+                        <a:t>0.028</a:t>
+                      </a:r>
+                    </a:p>
+                  </a:txBody>
+                </a:tc>
+              </a:tr>
+              <a:tr h="0">
+                <a:tc>
+                  <a:txBody>
+                    <a:bodyPr/>
+                    <a:lstStyle/>
+                    <a:p>
+                      <a:pPr lvl="0" indent="0" marL="0">
+                        <a:buNone/>
+                      </a:pPr>
+                      <a:r>
+                        <a:rPr/>
+                        <a:t>Presión arterial sistólica (mmHg)</a:t>
+                      </a:r>
+                    </a:p>
+                  </a:txBody>
+                </a:tc>
+                <a:tc>
+                  <a:txBody>
+                    <a:bodyPr/>
+                    <a:lstStyle/>
+                    <a:p>
+                      <a:pPr lvl="0" indent="0" marL="0">
+                        <a:buNone/>
+                      </a:pPr>
+                      <a:r>
+                        <a:rPr/>
+                        <a:t>101.83 (93.67, 106.00)</a:t>
+                      </a:r>
+                    </a:p>
+                  </a:txBody>
+                </a:tc>
+                <a:tc>
+                  <a:txBody>
+                    <a:bodyPr/>
+                    <a:lstStyle/>
+                    <a:p>
+                      <a:pPr lvl="0" indent="0" marL="0">
+                        <a:buNone/>
+                      </a:pPr>
+                      <a:r>
+                        <a:rPr/>
+                        <a:t>102.00 (96.33, 109.00)</a:t>
+                      </a:r>
+                    </a:p>
+                  </a:txBody>
+                </a:tc>
+                <a:tc>
+                  <a:txBody>
+                    <a:bodyPr/>
+                    <a:lstStyle/>
+                    <a:p>
+                      <a:pPr lvl="0" indent="0" marL="0">
+                        <a:buNone/>
+                      </a:pPr>
+                      <a:r>
+                        <a:rPr/>
+                        <a:t>100.67 (91.67, 104.67)</a:t>
+                      </a:r>
+                    </a:p>
+                  </a:txBody>
+                </a:tc>
+                <a:tc>
+                  <a:txBody>
+                    <a:bodyPr/>
+                    <a:lstStyle/>
+                    <a:p>
+                      <a:pPr lvl="0" indent="0" marL="0">
+                        <a:buNone/>
+                      </a:pPr>
+                      <a:r>
+                        <a:rPr/>
+                        <a:t>0.232</a:t>
+                      </a:r>
+                    </a:p>
+                  </a:txBody>
+                </a:tc>
+              </a:tr>
+              <a:tr h="0">
+                <a:tc>
+                  <a:txBody>
+                    <a:bodyPr/>
+                    <a:lstStyle/>
+                    <a:p>
+                      <a:pPr lvl="0" indent="0" marL="0">
+                        <a:buNone/>
+                      </a:pPr>
+                      <a:r>
+                        <a:rPr/>
+                        <a:t>Presión arterial diastólica (mmHg)</a:t>
+                      </a:r>
+                    </a:p>
+                  </a:txBody>
+                </a:tc>
+                <a:tc>
+                  <a:txBody>
+                    <a:bodyPr/>
+                    <a:lstStyle/>
+                    <a:p>
+                      <a:pPr lvl="0" indent="0" marL="0">
+                        <a:buNone/>
+                      </a:pPr>
+                      <a:r>
+                        <a:rPr/>
+                        <a:t>63.83 (59.67, 68.33)</a:t>
+                      </a:r>
+                    </a:p>
+                  </a:txBody>
+                </a:tc>
+                <a:tc>
+                  <a:txBody>
+                    <a:bodyPr/>
+                    <a:lstStyle/>
+                    <a:p>
+                      <a:pPr lvl="0" indent="0" marL="0">
+                        <a:buNone/>
+                      </a:pPr>
+                      <a:r>
+                        <a:rPr/>
+                        <a:t>64.00 (59.00, 71.00)</a:t>
+                      </a:r>
+                    </a:p>
+                  </a:txBody>
+                </a:tc>
+                <a:tc>
+                  <a:txBody>
+                    <a:bodyPr/>
+                    <a:lstStyle/>
+                    <a:p>
+                      <a:pPr lvl="0" indent="0" marL="0">
+                        <a:buNone/>
+                      </a:pPr>
+                      <a:r>
+                        <a:rPr/>
+                        <a:t>62.33 (60.33, 67.33)</a:t>
+                      </a:r>
+                    </a:p>
+                  </a:txBody>
+                </a:tc>
+                <a:tc>
+                  <a:txBody>
+                    <a:bodyPr/>
+                    <a:lstStyle/>
+                    <a:p>
+                      <a:pPr lvl="0" indent="0" marL="0">
+                        <a:buNone/>
+                      </a:pPr>
+                      <a:r>
+                        <a:rPr/>
+                        <a:t>0.400</a:t>
+                      </a:r>
+                    </a:p>
+                  </a:txBody>
+                </a:tc>
+              </a:tr>
+              <a:tr h="0">
+                <a:tc>
+                  <a:txBody>
+                    <a:bodyPr/>
+                    <a:lstStyle/>
+                    <a:p>
+                      <a:pPr lvl="0" indent="0" marL="0">
+                        <a:buNone/>
+                      </a:pPr>
+                      <a:r>
+                        <a:rPr/>
+                        <a:t>Frecuencia cardíaca (latidos por minuto)</a:t>
+                      </a:r>
+                    </a:p>
+                  </a:txBody>
+                </a:tc>
+                <a:tc>
+                  <a:txBody>
+                    <a:bodyPr/>
+                    <a:lstStyle/>
+                    <a:p>
+                      <a:pPr lvl="0" indent="0" marL="0">
+                        <a:buNone/>
+                      </a:pPr>
+                      <a:r>
+                        <a:rPr/>
+                        <a:t>83.00 (78.00, 90.33)</a:t>
+                      </a:r>
+                    </a:p>
+                  </a:txBody>
+                </a:tc>
+                <a:tc>
+                  <a:txBody>
+                    <a:bodyPr/>
+                    <a:lstStyle/>
+                    <a:p>
+                      <a:pPr lvl="0" indent="0" marL="0">
+                        <a:buNone/>
+                      </a:pPr>
+                      <a:r>
+                        <a:rPr/>
+                        <a:t>83.67 (78.00, 92.67)</a:t>
+                      </a:r>
+                    </a:p>
+                  </a:txBody>
+                </a:tc>
+                <a:tc>
+                  <a:txBody>
+                    <a:bodyPr/>
+                    <a:lstStyle/>
+                    <a:p>
+                      <a:pPr lvl="0" indent="0" marL="0">
+                        <a:buNone/>
+                      </a:pPr>
+                      <a:r>
+                        <a:rPr/>
+                        <a:t>82.67 (78.33, 87.33)</a:t>
+                      </a:r>
+                    </a:p>
+                  </a:txBody>
+                </a:tc>
+                <a:tc>
+                  <a:txBody>
+                    <a:bodyPr/>
+                    <a:lstStyle/>
+                    <a:p>
+                      <a:pPr lvl="0" indent="0" marL="0">
+                        <a:buNone/>
+                      </a:pPr>
+                      <a:r>
+                        <a:rPr/>
+                        <a:t>0.432</a:t>
+                      </a:r>
+                    </a:p>
+                  </a:txBody>
+                </a:tc>
+              </a:tr>
+              <a:tr h="0">
+                <a:tc>
+                  <a:txBody>
+                    <a:bodyPr/>
+                    <a:lstStyle/>
+                    <a:p>
+                      <a:pPr lvl="0" indent="0" marL="0">
+                        <a:buNone/>
+                      </a:pPr>
                       <a:r>
                         <a:rPr baseline="30000"/>
                         <a:t>1</a:t>
                       </a:r>
-                    </a:p>
-                  </a:txBody>
-                  <a:tcPr/>
-                </a:tc>
-                <a:tc>
-                  <a:txBody>
-                    <a:bodyPr/>
-                    <a:lstStyle/>
-                    <a:p>
-                      <a:pPr lvl="0" indent="0" marL="0">
-                        <a:buNone/>
-                      </a:pPr>
-                      <a:r>
-                        <a:rPr b="1"/>
-                        <a:t>p-value</a:t>
-                      </a:r>
+                      <a:r>
+                        <a:rPr/>
+                        <a:t> Median (Q1, Q3)</a:t>
+                      </a:r>
+                    </a:p>
+                  </a:txBody>
+                </a:tc>
+                <a:tc>
+                  <a:txBody>
+                    <a:bodyPr/>
+                    <a:lstStyle/>
+                    <a:p>
+                      <a:endParaRPr/>
+                    </a:p>
+                  </a:txBody>
+                </a:tc>
+                <a:tc>
+                  <a:txBody>
+                    <a:bodyPr/>
+                    <a:lstStyle/>
+                    <a:p>
+                      <a:endParaRPr/>
+                    </a:p>
+                  </a:txBody>
+                </a:tc>
+                <a:tc>
+                  <a:txBody>
+                    <a:bodyPr/>
+                    <a:lstStyle/>
+                    <a:p>
+                      <a:endParaRPr/>
+                    </a:p>
+                  </a:txBody>
+                </a:tc>
+                <a:tc>
+                  <a:txBody>
+                    <a:bodyPr/>
+                    <a:lstStyle/>
+                    <a:p>
+                      <a:endParaRPr/>
+                    </a:p>
+                  </a:txBody>
+                </a:tc>
+              </a:tr>
+              <a:tr h="0">
+                <a:tc>
+                  <a:txBody>
+                    <a:bodyPr/>
+                    <a:lstStyle/>
+                    <a:p>
+                      <a:pPr lvl="0" indent="0" marL="0">
+                        <a:buNone/>
+                      </a:pPr>
                       <a:r>
                         <a:rPr baseline="30000"/>
                         <a:t>2</a:t>
                       </a:r>
-                    </a:p>
-                  </a:txBody>
-                  <a:tcPr/>
-                </a:tc>
-              </a:tr>
-              <a:tr h="0">
-                <a:tc>
-                  <a:txBody>
-                    <a:bodyPr/>
-                    <a:lstStyle/>
-                    <a:p>
-                      <a:pPr lvl="0" indent="0" marL="0">
-                        <a:buNone/>
-                      </a:pPr>
-                      <a:r>
-                        <a:rPr/>
-                        <a:t>Glucosa en ayunas (mg/dL)</a:t>
-                      </a:r>
-                    </a:p>
-                  </a:txBody>
-                </a:tc>
-                <a:tc>
-                  <a:txBody>
-                    <a:bodyPr/>
-                    <a:lstStyle/>
-                    <a:p>
-                      <a:pPr lvl="0" indent="0" marL="0">
-                        <a:buNone/>
-                      </a:pPr>
-                      <a:r>
-                        <a:rPr/>
-                        <a:t>86.00 (82.00, 91.00)</a:t>
-                      </a:r>
-                    </a:p>
-                  </a:txBody>
-                </a:tc>
-                <a:tc>
-                  <a:txBody>
-                    <a:bodyPr/>
-                    <a:lstStyle/>
-                    <a:p>
-                      <a:pPr lvl="0" indent="0" marL="0">
-                        <a:buNone/>
-                      </a:pPr>
-                      <a:r>
-                        <a:rPr/>
-                        <a:t>87.00 (83.00, 91.00)</a:t>
-                      </a:r>
-                    </a:p>
-                  </a:txBody>
-                </a:tc>
-                <a:tc>
-                  <a:txBody>
-                    <a:bodyPr/>
-                    <a:lstStyle/>
-                    <a:p>
-                      <a:pPr lvl="0" indent="0" marL="0">
-                        <a:buNone/>
-                      </a:pPr>
-                      <a:r>
-                        <a:rPr/>
-                        <a:t>87.00 (82.00, 93.00)</a:t>
-                      </a:r>
-                    </a:p>
-                  </a:txBody>
-                </a:tc>
-                <a:tc>
-                  <a:txBody>
-                    <a:bodyPr/>
-                    <a:lstStyle/>
-                    <a:p>
-                      <a:pPr lvl="0" indent="0" marL="0">
-                        <a:buNone/>
-                      </a:pPr>
-                      <a:r>
-                        <a:rPr/>
-                        <a:t>83.00 (80.00, 89.00)</a:t>
-                      </a:r>
-                    </a:p>
-                  </a:txBody>
-                </a:tc>
-                <a:tc>
-                  <a:txBody>
-                    <a:bodyPr/>
-                    <a:lstStyle/>
-                    <a:p>
-                      <a:pPr lvl="0" indent="0" marL="0">
-                        <a:buNone/>
-                      </a:pPr>
-                      <a:r>
-                        <a:rPr/>
-                        <a:t>0.051</a:t>
-                      </a:r>
-                    </a:p>
-                  </a:txBody>
-                </a:tc>
-              </a:tr>
-              <a:tr h="0">
-                <a:tc>
-                  <a:txBody>
-                    <a:bodyPr/>
-                    <a:lstStyle/>
-                    <a:p>
-                      <a:pPr lvl="0" indent="0" marL="0">
-                        <a:buNone/>
-                      </a:pPr>
-                      <a:r>
-                        <a:rPr/>
-                        <a:t>Triglicéridos (mg/dL)</a:t>
-                      </a:r>
-                    </a:p>
-                  </a:txBody>
-                </a:tc>
-                <a:tc>
-                  <a:txBody>
-                    <a:bodyPr/>
-                    <a:lstStyle/>
-                    <a:p>
-                      <a:pPr lvl="0" indent="0" marL="0">
-                        <a:buNone/>
-                      </a:pPr>
-                      <a:r>
-                        <a:rPr/>
-                        <a:t>100.00 (77.00, 123.00)</a:t>
-                      </a:r>
-                    </a:p>
-                  </a:txBody>
-                </a:tc>
-                <a:tc>
-                  <a:txBody>
-                    <a:bodyPr/>
-                    <a:lstStyle/>
-                    <a:p>
-                      <a:pPr lvl="0" indent="0" marL="0">
-                        <a:buNone/>
-                      </a:pPr>
-                      <a:r>
-                        <a:rPr/>
-                        <a:t>100.00 (84.00, 125.00)</a:t>
-                      </a:r>
-                    </a:p>
-                  </a:txBody>
-                </a:tc>
-                <a:tc>
-                  <a:txBody>
-                    <a:bodyPr/>
-                    <a:lstStyle/>
-                    <a:p>
-                      <a:pPr lvl="0" indent="0" marL="0">
-                        <a:buNone/>
-                      </a:pPr>
-                      <a:r>
-                        <a:rPr/>
-                        <a:t>105.00 (75.00, 118.00)</a:t>
-                      </a:r>
-                    </a:p>
-                  </a:txBody>
-                </a:tc>
-                <a:tc>
-                  <a:txBody>
-                    <a:bodyPr/>
-                    <a:lstStyle/>
-                    <a:p>
-                      <a:pPr lvl="0" indent="0" marL="0">
-                        <a:buNone/>
-                      </a:pPr>
-                      <a:r>
-                        <a:rPr/>
-                        <a:t>102.00 (78.00, 121.00)</a:t>
-                      </a:r>
-                    </a:p>
-                  </a:txBody>
-                </a:tc>
-                <a:tc>
-                  <a:txBody>
-                    <a:bodyPr/>
-                    <a:lstStyle/>
-                    <a:p>
-                      <a:pPr lvl="0" indent="0" marL="0">
-                        <a:buNone/>
-                      </a:pPr>
-                      <a:r>
-                        <a:rPr/>
-                        <a:t>0.948</a:t>
-                      </a:r>
-                    </a:p>
-                  </a:txBody>
-                </a:tc>
-              </a:tr>
-              <a:tr h="0">
-                <a:tc>
-                  <a:txBody>
-                    <a:bodyPr/>
-                    <a:lstStyle/>
-                    <a:p>
-                      <a:pPr lvl="0" indent="0" marL="0">
-                        <a:buNone/>
-                      </a:pPr>
-                      <a:r>
-                        <a:rPr/>
-                        <a:t>LHDL-c (mg/dL)</a:t>
-                      </a:r>
-                    </a:p>
-                  </a:txBody>
-                </a:tc>
-                <a:tc>
-                  <a:txBody>
-                    <a:bodyPr/>
-                    <a:lstStyle/>
-                    <a:p>
-                      <a:pPr lvl="0" indent="0" marL="0">
-                        <a:buNone/>
-                      </a:pPr>
-                      <a:r>
-                        <a:rPr/>
-                        <a:t>43.00 (36.00, 51.00)</a:t>
-                      </a:r>
-                    </a:p>
-                  </a:txBody>
-                </a:tc>
-                <a:tc>
-                  <a:txBody>
-                    <a:bodyPr/>
-                    <a:lstStyle/>
-                    <a:p>
-                      <a:pPr lvl="0" indent="0" marL="0">
-                        <a:buNone/>
-                      </a:pPr>
-                      <a:r>
-                        <a:rPr/>
-                        <a:t>44.00 (37.00, 50.00)</a:t>
-                      </a:r>
-                    </a:p>
-                  </a:txBody>
-                </a:tc>
-                <a:tc>
-                  <a:txBody>
-                    <a:bodyPr/>
-                    <a:lstStyle/>
-                    <a:p>
-                      <a:pPr lvl="0" indent="0" marL="0">
-                        <a:buNone/>
-                      </a:pPr>
-                      <a:r>
-                        <a:rPr/>
-                        <a:t>40.00 (35.00, 48.00)</a:t>
-                      </a:r>
-                    </a:p>
-                  </a:txBody>
-                </a:tc>
-                <a:tc>
-                  <a:txBody>
-                    <a:bodyPr/>
-                    <a:lstStyle/>
-                    <a:p>
-                      <a:pPr lvl="0" indent="0" marL="0">
-                        <a:buNone/>
-                      </a:pPr>
-                      <a:r>
-                        <a:rPr/>
-                        <a:t>44.00 (38.00, 51.00)</a:t>
-                      </a:r>
-                    </a:p>
-                  </a:txBody>
-                </a:tc>
-                <a:tc>
-                  <a:txBody>
-                    <a:bodyPr/>
-                    <a:lstStyle/>
-                    <a:p>
-                      <a:pPr lvl="0" indent="0" marL="0">
-                        <a:buNone/>
-                      </a:pPr>
-                      <a:r>
-                        <a:rPr/>
-                        <a:t>0.583</a:t>
-                      </a:r>
-                    </a:p>
-                  </a:txBody>
-                </a:tc>
-              </a:tr>
-              <a:tr h="0">
-                <a:tc>
-                  <a:txBody>
-                    <a:bodyPr/>
-                    <a:lstStyle/>
-                    <a:p>
-                      <a:pPr lvl="0" indent="0" marL="0">
-                        <a:buNone/>
-                      </a:pPr>
-                      <a:r>
-                        <a:rPr/>
-                        <a:t>Colesterol total (mg/dL)</a:t>
-                      </a:r>
-                    </a:p>
-                  </a:txBody>
-                </a:tc>
-                <a:tc>
-                  <a:txBody>
-                    <a:bodyPr/>
-                    <a:lstStyle/>
-                    <a:p>
-                      <a:pPr lvl="0" indent="0" marL="0">
-                        <a:buNone/>
-                      </a:pPr>
-                      <a:r>
-                        <a:rPr/>
-                        <a:t>134.00 (110.00, 158.00)</a:t>
-                      </a:r>
-                    </a:p>
-                  </a:txBody>
-                </a:tc>
-                <a:tc>
-                  <a:txBody>
-                    <a:bodyPr/>
-                    <a:lstStyle/>
-                    <a:p>
-                      <a:pPr lvl="0" indent="0" marL="0">
-                        <a:buNone/>
-                      </a:pPr>
-                      <a:r>
-                        <a:rPr/>
-                        <a:t>121.00 (112.00, 136.00)</a:t>
-                      </a:r>
-                    </a:p>
-                  </a:txBody>
-                </a:tc>
-                <a:tc>
-                  <a:txBody>
-                    <a:bodyPr/>
-                    <a:lstStyle/>
-                    <a:p>
-                      <a:pPr lvl="0" indent="0" marL="0">
-                        <a:buNone/>
-                      </a:pPr>
-                      <a:r>
-                        <a:rPr/>
-                        <a:t>140.00 (103.00, 159.00)</a:t>
-                      </a:r>
-                    </a:p>
-                  </a:txBody>
-                </a:tc>
-                <a:tc>
-                  <a:txBody>
-                    <a:bodyPr/>
-                    <a:lstStyle/>
-                    <a:p>
-                      <a:pPr lvl="0" indent="0" marL="0">
-                        <a:buNone/>
-                      </a:pPr>
-                      <a:r>
-                        <a:rPr/>
-                        <a:t>143.00 (122.00, 158.00)</a:t>
-                      </a:r>
-                    </a:p>
-                  </a:txBody>
-                </a:tc>
-                <a:tc>
-                  <a:txBody>
-                    <a:bodyPr/>
-                    <a:lstStyle/>
-                    <a:p>
-                      <a:pPr lvl="0" indent="0" marL="0">
-                        <a:buNone/>
-                      </a:pPr>
-                      <a:r>
-                        <a:rPr/>
-                        <a:t>0.050</a:t>
-                      </a:r>
-                    </a:p>
-                  </a:txBody>
-                </a:tc>
-              </a:tr>
-              <a:tr h="0">
-                <a:tc>
-                  <a:txBody>
-                    <a:bodyPr/>
-                    <a:lstStyle/>
-                    <a:p>
-                      <a:pPr lvl="0" indent="0" marL="0">
-                        <a:buNone/>
-                      </a:pPr>
-                      <a:r>
-                        <a:rPr baseline="30000"/>
-                        <a:t>1</a:t>
-                      </a:r>
-                      <a:r>
-                        <a:rPr/>
-                        <a:t> Median (Q1, Q3)</a:t>
-                      </a:r>
-                    </a:p>
-                  </a:txBody>
-                </a:tc>
-                <a:tc>
-                  <a:txBody>
-                    <a:bodyPr/>
-                    <a:lstStyle/>
-                    <a:p>
-                      <a:endParaRPr/>
-                    </a:p>
-                  </a:txBody>
-                </a:tc>
-                <a:tc>
-                  <a:txBody>
-                    <a:bodyPr/>
-                    <a:lstStyle/>
-                    <a:p>
-                      <a:endParaRPr/>
-                    </a:p>
-                  </a:txBody>
-                </a:tc>
-                <a:tc>
-                  <a:txBody>
-                    <a:bodyPr/>
-                    <a:lstStyle/>
-                    <a:p>
-                      <a:endParaRPr/>
-                    </a:p>
-                  </a:txBody>
-                </a:tc>
-                <a:tc>
-                  <a:txBody>
-                    <a:bodyPr/>
-                    <a:lstStyle/>
-                    <a:p>
-                      <a:endParaRPr/>
-                    </a:p>
-                  </a:txBody>
-                </a:tc>
-                <a:tc>
-                  <a:txBody>
-                    <a:bodyPr/>
-                    <a:lstStyle/>
-                    <a:p>
-                      <a:endParaRPr/>
-                    </a:p>
-                  </a:txBody>
-                </a:tc>
-              </a:tr>
-              <a:tr h="0">
-                <a:tc>
-                  <a:txBody>
-                    <a:bodyPr/>
-                    <a:lstStyle/>
-                    <a:p>
-                      <a:pPr lvl="0" indent="0" marL="0">
-                        <a:buNone/>
-                      </a:pPr>
-                      <a:r>
-                        <a:rPr baseline="30000"/>
-                        <a:t>2</a:t>
-                      </a:r>
-                      <a:r>
-                        <a:rPr/>
-                        <a:t> Kruskal-Wallis rank sum test</a:t>
-                      </a:r>
-                    </a:p>
-                  </a:txBody>
-                </a:tc>
-                <a:tc>
-                  <a:txBody>
-                    <a:bodyPr/>
-                    <a:lstStyle/>
-                    <a:p>
-                      <a:endParaRPr/>
+                      <a:r>
+                        <a:rPr/>
+                        <a:t> Wilcoxon rank sum test</a:t>
+                      </a:r>
                     </a:p>
                   </a:txBody>
                 </a:tc>
@@ -4191,6 +4358,3030 @@
           </a:graphicData>
         </a:graphic>
       </p:graphicFrame>
+      <p:sp>
+        <p:nvSpPr>
+          <p:cNvPr id="1" name="TextBox 3"/>
+          <p:cNvSpPr txBox="1"/>
+          <p:nvPr/>
+        </p:nvSpPr>
+        <p:spPr>
+          <a:xfrm>
+            <a:off x="457200" y="4076700"/>
+            <a:ext cx="8229600" cy="508000"/>
+          </a:xfrm>
+          <a:prstGeom prst="rect">
+            <a:avLst/>
+          </a:prstGeom>
+          <a:noFill/>
+        </p:spPr>
+        <p:txBody>
+          <a:bodyPr/>
+          <a:lstStyle/>
+          <a:p>
+            <a:pPr lvl="0" indent="0" marL="0" algn="ctr">
+              <a:buNone/>
+            </a:pPr>
+            <a:r>
+              <a:rPr b="1"/>
+              <a:t>Tabla 1. Biomarcadores</a:t>
+            </a:r>
+            <a:r>
+              <a:rPr/>
+              <a:t> N = 75</a:t>
+            </a:r>
+          </a:p>
+        </p:txBody>
+      </p:sp>
+    </p:spTree>
+  </p:cSld>
+</p:sld>
+</file>
+
+<file path=ppt/slides/slide8.xml><?xml version="1.0" encoding="utf-8"?>
+<p:sld xmlns:a="http://schemas.openxmlformats.org/drawingml/2006/main" xmlns:r="http://schemas.openxmlformats.org/officeDocument/2006/relationships" xmlns:p="http://schemas.openxmlformats.org/presentationml/2006/main">
+  <p:cSld>
+    <p:spTree>
+      <p:nvGrpSpPr>
+        <p:cNvPr id="1" name=""/>
+        <p:cNvGrpSpPr/>
+        <p:nvPr/>
+      </p:nvGrpSpPr>
+      <p:grpSpPr>
+        <a:xfrm>
+          <a:off x="0" y="0"/>
+          <a:ext cx="0" cy="0"/>
+          <a:chOff x="0" y="0"/>
+          <a:chExt cx="0" cy="0"/>
+        </a:xfrm>
+      </p:grpSpPr>
+      <p:sp>
+        <p:nvSpPr>
+          <p:cNvPr id="2" name="Title 1"/>
+          <p:cNvSpPr>
+            <a:spLocks noGrp="1"/>
+          </p:cNvSpPr>
+          <p:nvPr>
+            <p:ph type="title"/>
+          </p:nvPr>
+        </p:nvSpPr>
+        <p:spPr/>
+        <p:txBody>
+          <a:bodyPr/>
+          <a:lstStyle/>
+          <a:p>
+            <a:pPr lvl="0" indent="0" marL="0">
+              <a:buNone/>
+            </a:pPr>
+            <a:r>
+              <a:rPr/>
+              <a:t>Tabla 2. Antropometría</a:t>
+            </a:r>
+          </a:p>
+        </p:txBody>
+      </p:sp>
+      <p:graphicFrame>
+        <p:nvGraphicFramePr>
+          <p:cNvPr id="6" name="Content Placeholder 5"/>
+          <p:cNvGraphicFramePr>
+            <a:graphicFrameLocks noGrp="1"/>
+          </p:cNvGraphicFramePr>
+          <p:nvPr>
+            <p:ph idx="1"/>
+          </p:nvPr>
+        </p:nvGraphicFramePr>
+        <p:xfrm>
+          <a:off x="457200" y="1193800"/>
+          <a:ext cx="8229600" cy="2882900"/>
+        </p:xfrm>
+        <a:graphic>
+          <a:graphicData uri="http://schemas.openxmlformats.org/drawingml/2006/table">
+            <a:tbl>
+              <a:tblPr firstRow="1" bandRow="1">
+                <a:tableStyleId>{5C22544A-7EE6-4342-B048-85BDC9FD1C3A}</a:tableStyleId>
+              </a:tblPr>
+              <a:tblGrid>
+                <a:gridCol w="1651000"/>
+                <a:gridCol w="1651000"/>
+                <a:gridCol w="1651000"/>
+                <a:gridCol w="1651000"/>
+                <a:gridCol w="1651000"/>
+              </a:tblGrid>
+              <a:tr h="0">
+                <a:tc>
+                  <a:txBody>
+                    <a:bodyPr/>
+                    <a:lstStyle/>
+                    <a:p>
+                      <a:pPr lvl="0" indent="0" marL="0">
+                        <a:buNone/>
+                      </a:pPr>
+                      <a:r>
+                        <a:rPr b="1"/>
+                        <a:t>Caraterísticas</a:t>
+                      </a:r>
+                    </a:p>
+                  </a:txBody>
+                  <a:tcPr/>
+                </a:tc>
+                <a:tc>
+                  <a:txBody>
+                    <a:bodyPr/>
+                    <a:lstStyle/>
+                    <a:p>
+                      <a:pPr lvl="0" indent="0" marL="0">
+                        <a:buNone/>
+                      </a:pPr>
+                      <a:r>
+                        <a:rPr b="1"/>
+                        <a:t>Total</a:t>
+                      </a:r>
+                      <a:r>
+                        <a:rPr/>
+                        <a:t> (n = 75)</a:t>
+                      </a:r>
+                      <a:r>
+                        <a:rPr baseline="30000"/>
+                        <a:t>1</a:t>
+                      </a:r>
+                    </a:p>
+                  </a:txBody>
+                  <a:tcPr/>
+                </a:tc>
+                <a:tc>
+                  <a:txBody>
+                    <a:bodyPr/>
+                    <a:lstStyle/>
+                    <a:p>
+                      <a:pPr lvl="0" indent="0" marL="0">
+                        <a:buNone/>
+                      </a:pPr>
+                      <a:r>
+                        <a:rPr b="1"/>
+                        <a:t>Cluster 1</a:t>
+                      </a:r>
+                      <a:r>
+                        <a:rPr/>
+                        <a:t> (n = 46)</a:t>
+                      </a:r>
+                      <a:r>
+                        <a:rPr baseline="30000"/>
+                        <a:t>1</a:t>
+                      </a:r>
+                    </a:p>
+                  </a:txBody>
+                  <a:tcPr/>
+                </a:tc>
+                <a:tc>
+                  <a:txBody>
+                    <a:bodyPr/>
+                    <a:lstStyle/>
+                    <a:p>
+                      <a:pPr lvl="0" indent="0" marL="0">
+                        <a:buNone/>
+                      </a:pPr>
+                      <a:r>
+                        <a:rPr b="1"/>
+                        <a:t>Cluster 2</a:t>
+                      </a:r>
+                      <a:r>
+                        <a:rPr/>
+                        <a:t> (n = 29)</a:t>
+                      </a:r>
+                      <a:r>
+                        <a:rPr baseline="30000"/>
+                        <a:t>1</a:t>
+                      </a:r>
+                    </a:p>
+                  </a:txBody>
+                  <a:tcPr/>
+                </a:tc>
+                <a:tc>
+                  <a:txBody>
+                    <a:bodyPr/>
+                    <a:lstStyle/>
+                    <a:p>
+                      <a:pPr lvl="0" indent="0" marL="0">
+                        <a:buNone/>
+                      </a:pPr>
+                      <a:r>
+                        <a:rPr b="1"/>
+                        <a:t>p-value</a:t>
+                      </a:r>
+                      <a:r>
+                        <a:rPr baseline="30000"/>
+                        <a:t>2</a:t>
+                      </a:r>
+                    </a:p>
+                  </a:txBody>
+                  <a:tcPr/>
+                </a:tc>
+              </a:tr>
+              <a:tr h="0">
+                <a:tc>
+                  <a:txBody>
+                    <a:bodyPr/>
+                    <a:lstStyle/>
+                    <a:p>
+                      <a:pPr lvl="0" indent="0" marL="0">
+                        <a:buNone/>
+                      </a:pPr>
+                      <a:r>
+                        <a:rPr/>
+                        <a:t>Sexo</a:t>
+                      </a:r>
+                    </a:p>
+                  </a:txBody>
+                </a:tc>
+                <a:tc>
+                  <a:txBody>
+                    <a:bodyPr/>
+                    <a:lstStyle/>
+                    <a:p>
+                      <a:pPr lvl="0" indent="0" marL="0">
+                        <a:buNone/>
+                      </a:pPr>
+                      <a:br/>
+                    </a:p>
+                  </a:txBody>
+                </a:tc>
+                <a:tc>
+                  <a:txBody>
+                    <a:bodyPr/>
+                    <a:lstStyle/>
+                    <a:p>
+                      <a:pPr lvl="0" indent="0" marL="0">
+                        <a:buNone/>
+                      </a:pPr>
+                      <a:br/>
+                    </a:p>
+                  </a:txBody>
+                </a:tc>
+                <a:tc>
+                  <a:txBody>
+                    <a:bodyPr/>
+                    <a:lstStyle/>
+                    <a:p>
+                      <a:pPr lvl="0" indent="0" marL="0">
+                        <a:buNone/>
+                      </a:pPr>
+                      <a:br/>
+                    </a:p>
+                  </a:txBody>
+                </a:tc>
+                <a:tc>
+                  <a:txBody>
+                    <a:bodyPr/>
+                    <a:lstStyle/>
+                    <a:p>
+                      <a:pPr lvl="0" indent="0" marL="0">
+                        <a:buNone/>
+                      </a:pPr>
+                      <a:r>
+                        <a:rPr/>
+                        <a:t>0.371</a:t>
+                      </a:r>
+                    </a:p>
+                  </a:txBody>
+                </a:tc>
+              </a:tr>
+              <a:tr h="0">
+                <a:tc>
+                  <a:txBody>
+                    <a:bodyPr/>
+                    <a:lstStyle/>
+                    <a:p>
+                      <a:pPr lvl="0" indent="0" marL="0">
+                        <a:buNone/>
+                      </a:pPr>
+                      <a:r>
+                        <a:rPr/>
+                        <a:t>    Masculino</a:t>
+                      </a:r>
+                    </a:p>
+                  </a:txBody>
+                </a:tc>
+                <a:tc>
+                  <a:txBody>
+                    <a:bodyPr/>
+                    <a:lstStyle/>
+                    <a:p>
+                      <a:pPr lvl="0" indent="0" marL="0">
+                        <a:buNone/>
+                      </a:pPr>
+                      <a:r>
+                        <a:rPr/>
+                        <a:t>28.0 (37.3%)</a:t>
+                      </a:r>
+                    </a:p>
+                  </a:txBody>
+                </a:tc>
+                <a:tc>
+                  <a:txBody>
+                    <a:bodyPr/>
+                    <a:lstStyle/>
+                    <a:p>
+                      <a:pPr lvl="0" indent="0" marL="0">
+                        <a:buNone/>
+                      </a:pPr>
+                      <a:r>
+                        <a:rPr/>
+                        <a:t>19.0 (41.3%)</a:t>
+                      </a:r>
+                    </a:p>
+                  </a:txBody>
+                </a:tc>
+                <a:tc>
+                  <a:txBody>
+                    <a:bodyPr/>
+                    <a:lstStyle/>
+                    <a:p>
+                      <a:pPr lvl="0" indent="0" marL="0">
+                        <a:buNone/>
+                      </a:pPr>
+                      <a:r>
+                        <a:rPr/>
+                        <a:t>9.0 (31.0%)</a:t>
+                      </a:r>
+                    </a:p>
+                  </a:txBody>
+                </a:tc>
+                <a:tc>
+                  <a:txBody>
+                    <a:bodyPr/>
+                    <a:lstStyle/>
+                    <a:p>
+                      <a:pPr lvl="0" indent="0" marL="0">
+                        <a:buNone/>
+                      </a:pPr>
+                      <a:br/>
+                    </a:p>
+                  </a:txBody>
+                </a:tc>
+              </a:tr>
+              <a:tr h="0">
+                <a:tc>
+                  <a:txBody>
+                    <a:bodyPr/>
+                    <a:lstStyle/>
+                    <a:p>
+                      <a:pPr lvl="0" indent="0" marL="0">
+                        <a:buNone/>
+                      </a:pPr>
+                      <a:r>
+                        <a:rPr/>
+                        <a:t>    Femenino</a:t>
+                      </a:r>
+                    </a:p>
+                  </a:txBody>
+                </a:tc>
+                <a:tc>
+                  <a:txBody>
+                    <a:bodyPr/>
+                    <a:lstStyle/>
+                    <a:p>
+                      <a:pPr lvl="0" indent="0" marL="0">
+                        <a:buNone/>
+                      </a:pPr>
+                      <a:r>
+                        <a:rPr/>
+                        <a:t>47.0 (62.7%)</a:t>
+                      </a:r>
+                    </a:p>
+                  </a:txBody>
+                </a:tc>
+                <a:tc>
+                  <a:txBody>
+                    <a:bodyPr/>
+                    <a:lstStyle/>
+                    <a:p>
+                      <a:pPr lvl="0" indent="0" marL="0">
+                        <a:buNone/>
+                      </a:pPr>
+                      <a:r>
+                        <a:rPr/>
+                        <a:t>27.0 (58.7%)</a:t>
+                      </a:r>
+                    </a:p>
+                  </a:txBody>
+                </a:tc>
+                <a:tc>
+                  <a:txBody>
+                    <a:bodyPr/>
+                    <a:lstStyle/>
+                    <a:p>
+                      <a:pPr lvl="0" indent="0" marL="0">
+                        <a:buNone/>
+                      </a:pPr>
+                      <a:r>
+                        <a:rPr/>
+                        <a:t>20.0 (69.0%)</a:t>
+                      </a:r>
+                    </a:p>
+                  </a:txBody>
+                </a:tc>
+                <a:tc>
+                  <a:txBody>
+                    <a:bodyPr/>
+                    <a:lstStyle/>
+                    <a:p>
+                      <a:pPr lvl="0" indent="0" marL="0">
+                        <a:buNone/>
+                      </a:pPr>
+                      <a:br/>
+                    </a:p>
+                  </a:txBody>
+                </a:tc>
+              </a:tr>
+              <a:tr h="0">
+                <a:tc>
+                  <a:txBody>
+                    <a:bodyPr/>
+                    <a:lstStyle/>
+                    <a:p>
+                      <a:pPr lvl="0" indent="0" marL="0">
+                        <a:buNone/>
+                      </a:pPr>
+                      <a:r>
+                        <a:rPr/>
+                        <a:t>Edad (años)</a:t>
+                      </a:r>
+                    </a:p>
+                  </a:txBody>
+                </a:tc>
+                <a:tc>
+                  <a:txBody>
+                    <a:bodyPr/>
+                    <a:lstStyle/>
+                    <a:p>
+                      <a:pPr lvl="0" indent="0" marL="0">
+                        <a:buNone/>
+                      </a:pPr>
+                      <a:br/>
+                    </a:p>
+                  </a:txBody>
+                </a:tc>
+                <a:tc>
+                  <a:txBody>
+                    <a:bodyPr/>
+                    <a:lstStyle/>
+                    <a:p>
+                      <a:pPr lvl="0" indent="0" marL="0">
+                        <a:buNone/>
+                      </a:pPr>
+                      <a:br/>
+                    </a:p>
+                  </a:txBody>
+                </a:tc>
+                <a:tc>
+                  <a:txBody>
+                    <a:bodyPr/>
+                    <a:lstStyle/>
+                    <a:p>
+                      <a:pPr lvl="0" indent="0" marL="0">
+                        <a:buNone/>
+                      </a:pPr>
+                      <a:br/>
+                    </a:p>
+                  </a:txBody>
+                </a:tc>
+                <a:tc>
+                  <a:txBody>
+                    <a:bodyPr/>
+                    <a:lstStyle/>
+                    <a:p>
+                      <a:pPr lvl="0" indent="0" marL="0">
+                        <a:buNone/>
+                      </a:pPr>
+                      <a:r>
+                        <a:rPr/>
+                        <a:t>0.383</a:t>
+                      </a:r>
+                    </a:p>
+                  </a:txBody>
+                </a:tc>
+              </a:tr>
+              <a:tr h="0">
+                <a:tc>
+                  <a:txBody>
+                    <a:bodyPr/>
+                    <a:lstStyle/>
+                    <a:p>
+                      <a:pPr lvl="0" indent="0" marL="0">
+                        <a:buNone/>
+                      </a:pPr>
+                      <a:r>
+                        <a:rPr/>
+                        <a:t>    11</a:t>
+                      </a:r>
+                    </a:p>
+                  </a:txBody>
+                </a:tc>
+                <a:tc>
+                  <a:txBody>
+                    <a:bodyPr/>
+                    <a:lstStyle/>
+                    <a:p>
+                      <a:pPr lvl="0" indent="0" marL="0">
+                        <a:buNone/>
+                      </a:pPr>
+                      <a:r>
+                        <a:rPr/>
+                        <a:t>71.0 (94.7%)</a:t>
+                      </a:r>
+                    </a:p>
+                  </a:txBody>
+                </a:tc>
+                <a:tc>
+                  <a:txBody>
+                    <a:bodyPr/>
+                    <a:lstStyle/>
+                    <a:p>
+                      <a:pPr lvl="0" indent="0" marL="0">
+                        <a:buNone/>
+                      </a:pPr>
+                      <a:r>
+                        <a:rPr/>
+                        <a:t>42.0 (91.3%)</a:t>
+                      </a:r>
+                    </a:p>
+                  </a:txBody>
+                </a:tc>
+                <a:tc>
+                  <a:txBody>
+                    <a:bodyPr/>
+                    <a:lstStyle/>
+                    <a:p>
+                      <a:pPr lvl="0" indent="0" marL="0">
+                        <a:buNone/>
+                      </a:pPr>
+                      <a:r>
+                        <a:rPr/>
+                        <a:t>29.0 (100.0%)</a:t>
+                      </a:r>
+                    </a:p>
+                  </a:txBody>
+                </a:tc>
+                <a:tc>
+                  <a:txBody>
+                    <a:bodyPr/>
+                    <a:lstStyle/>
+                    <a:p>
+                      <a:pPr lvl="0" indent="0" marL="0">
+                        <a:buNone/>
+                      </a:pPr>
+                      <a:br/>
+                    </a:p>
+                  </a:txBody>
+                </a:tc>
+              </a:tr>
+              <a:tr h="0">
+                <a:tc>
+                  <a:txBody>
+                    <a:bodyPr/>
+                    <a:lstStyle/>
+                    <a:p>
+                      <a:pPr lvl="0" indent="0" marL="0">
+                        <a:buNone/>
+                      </a:pPr>
+                      <a:r>
+                        <a:rPr/>
+                        <a:t>    12</a:t>
+                      </a:r>
+                    </a:p>
+                  </a:txBody>
+                </a:tc>
+                <a:tc>
+                  <a:txBody>
+                    <a:bodyPr/>
+                    <a:lstStyle/>
+                    <a:p>
+                      <a:pPr lvl="0" indent="0" marL="0">
+                        <a:buNone/>
+                      </a:pPr>
+                      <a:r>
+                        <a:rPr/>
+                        <a:t>1.0 (1.3%)</a:t>
+                      </a:r>
+                    </a:p>
+                  </a:txBody>
+                </a:tc>
+                <a:tc>
+                  <a:txBody>
+                    <a:bodyPr/>
+                    <a:lstStyle/>
+                    <a:p>
+                      <a:pPr lvl="0" indent="0" marL="0">
+                        <a:buNone/>
+                      </a:pPr>
+                      <a:r>
+                        <a:rPr/>
+                        <a:t>1.0 (2.2%)</a:t>
+                      </a:r>
+                    </a:p>
+                  </a:txBody>
+                </a:tc>
+                <a:tc>
+                  <a:txBody>
+                    <a:bodyPr/>
+                    <a:lstStyle/>
+                    <a:p>
+                      <a:pPr lvl="0" indent="0" marL="0">
+                        <a:buNone/>
+                      </a:pPr>
+                      <a:r>
+                        <a:rPr/>
+                        <a:t>0.0 (0.0%)</a:t>
+                      </a:r>
+                    </a:p>
+                  </a:txBody>
+                </a:tc>
+                <a:tc>
+                  <a:txBody>
+                    <a:bodyPr/>
+                    <a:lstStyle/>
+                    <a:p>
+                      <a:pPr lvl="0" indent="0" marL="0">
+                        <a:buNone/>
+                      </a:pPr>
+                      <a:br/>
+                    </a:p>
+                  </a:txBody>
+                </a:tc>
+              </a:tr>
+              <a:tr h="0">
+                <a:tc>
+                  <a:txBody>
+                    <a:bodyPr/>
+                    <a:lstStyle/>
+                    <a:p>
+                      <a:pPr lvl="0" indent="0" marL="0">
+                        <a:buNone/>
+                      </a:pPr>
+                      <a:r>
+                        <a:rPr/>
+                        <a:t>    13</a:t>
+                      </a:r>
+                    </a:p>
+                  </a:txBody>
+                </a:tc>
+                <a:tc>
+                  <a:txBody>
+                    <a:bodyPr/>
+                    <a:lstStyle/>
+                    <a:p>
+                      <a:pPr lvl="0" indent="0" marL="0">
+                        <a:buNone/>
+                      </a:pPr>
+                      <a:r>
+                        <a:rPr/>
+                        <a:t>3.0 (4.0%)</a:t>
+                      </a:r>
+                    </a:p>
+                  </a:txBody>
+                </a:tc>
+                <a:tc>
+                  <a:txBody>
+                    <a:bodyPr/>
+                    <a:lstStyle/>
+                    <a:p>
+                      <a:pPr lvl="0" indent="0" marL="0">
+                        <a:buNone/>
+                      </a:pPr>
+                      <a:r>
+                        <a:rPr/>
+                        <a:t>3.0 (6.5%)</a:t>
+                      </a:r>
+                    </a:p>
+                  </a:txBody>
+                </a:tc>
+                <a:tc>
+                  <a:txBody>
+                    <a:bodyPr/>
+                    <a:lstStyle/>
+                    <a:p>
+                      <a:pPr lvl="0" indent="0" marL="0">
+                        <a:buNone/>
+                      </a:pPr>
+                      <a:r>
+                        <a:rPr/>
+                        <a:t>0.0 (0.0%)</a:t>
+                      </a:r>
+                    </a:p>
+                  </a:txBody>
+                </a:tc>
+                <a:tc>
+                  <a:txBody>
+                    <a:bodyPr/>
+                    <a:lstStyle/>
+                    <a:p>
+                      <a:pPr lvl="0" indent="0" marL="0">
+                        <a:buNone/>
+                      </a:pPr>
+                      <a:br/>
+                    </a:p>
+                  </a:txBody>
+                </a:tc>
+              </a:tr>
+              <a:tr h="0">
+                <a:tc>
+                  <a:txBody>
+                    <a:bodyPr/>
+                    <a:lstStyle/>
+                    <a:p>
+                      <a:pPr lvl="0" indent="0" marL="0">
+                        <a:buNone/>
+                      </a:pPr>
+                      <a:r>
+                        <a:rPr/>
+                        <a:t>Peso (Kg)</a:t>
+                      </a:r>
+                    </a:p>
+                  </a:txBody>
+                </a:tc>
+                <a:tc>
+                  <a:txBody>
+                    <a:bodyPr/>
+                    <a:lstStyle/>
+                    <a:p>
+                      <a:pPr lvl="0" indent="0" marL="0">
+                        <a:buNone/>
+                      </a:pPr>
+                      <a:r>
+                        <a:rPr/>
+                        <a:t>50.80 (43.20, 58.80)</a:t>
+                      </a:r>
+                    </a:p>
+                  </a:txBody>
+                </a:tc>
+                <a:tc>
+                  <a:txBody>
+                    <a:bodyPr/>
+                    <a:lstStyle/>
+                    <a:p>
+                      <a:pPr lvl="0" indent="0" marL="0">
+                        <a:buNone/>
+                      </a:pPr>
+                      <a:r>
+                        <a:rPr/>
+                        <a:t>49.75 (43.85, 58.50)</a:t>
+                      </a:r>
+                    </a:p>
+                  </a:txBody>
+                </a:tc>
+                <a:tc>
+                  <a:txBody>
+                    <a:bodyPr/>
+                    <a:lstStyle/>
+                    <a:p>
+                      <a:pPr lvl="0" indent="0" marL="0">
+                        <a:buNone/>
+                      </a:pPr>
+                      <a:r>
+                        <a:rPr/>
+                        <a:t>51.15 (42.60, 60.30)</a:t>
+                      </a:r>
+                    </a:p>
+                  </a:txBody>
+                </a:tc>
+                <a:tc>
+                  <a:txBody>
+                    <a:bodyPr/>
+                    <a:lstStyle/>
+                    <a:p>
+                      <a:pPr lvl="0" indent="0" marL="0">
+                        <a:buNone/>
+                      </a:pPr>
+                      <a:r>
+                        <a:rPr/>
+                        <a:t>0.960</a:t>
+                      </a:r>
+                    </a:p>
+                  </a:txBody>
+                </a:tc>
+              </a:tr>
+              <a:tr h="0">
+                <a:tc>
+                  <a:txBody>
+                    <a:bodyPr/>
+                    <a:lstStyle/>
+                    <a:p>
+                      <a:pPr lvl="0" indent="0" marL="0">
+                        <a:buNone/>
+                      </a:pPr>
+                      <a:r>
+                        <a:rPr/>
+                        <a:t>Talla (metros)</a:t>
+                      </a:r>
+                    </a:p>
+                  </a:txBody>
+                </a:tc>
+                <a:tc>
+                  <a:txBody>
+                    <a:bodyPr/>
+                    <a:lstStyle/>
+                    <a:p>
+                      <a:pPr lvl="0" indent="0" marL="0">
+                        <a:buNone/>
+                      </a:pPr>
+                      <a:r>
+                        <a:rPr/>
+                        <a:t>1.53 (1.51, 1.57)</a:t>
+                      </a:r>
+                    </a:p>
+                  </a:txBody>
+                </a:tc>
+                <a:tc>
+                  <a:txBody>
+                    <a:bodyPr/>
+                    <a:lstStyle/>
+                    <a:p>
+                      <a:pPr lvl="0" indent="0" marL="0">
+                        <a:buNone/>
+                      </a:pPr>
+                      <a:r>
+                        <a:rPr/>
+                        <a:t>1.53 (1.51, 1.56)</a:t>
+                      </a:r>
+                    </a:p>
+                  </a:txBody>
+                </a:tc>
+                <a:tc>
+                  <a:txBody>
+                    <a:bodyPr/>
+                    <a:lstStyle/>
+                    <a:p>
+                      <a:pPr lvl="0" indent="0" marL="0">
+                        <a:buNone/>
+                      </a:pPr>
+                      <a:r>
+                        <a:rPr/>
+                        <a:t>1.54 (1.51, 1.59)</a:t>
+                      </a:r>
+                    </a:p>
+                  </a:txBody>
+                </a:tc>
+                <a:tc>
+                  <a:txBody>
+                    <a:bodyPr/>
+                    <a:lstStyle/>
+                    <a:p>
+                      <a:pPr lvl="0" indent="0" marL="0">
+                        <a:buNone/>
+                      </a:pPr>
+                      <a:r>
+                        <a:rPr/>
+                        <a:t>0.312</a:t>
+                      </a:r>
+                    </a:p>
+                  </a:txBody>
+                </a:tc>
+              </a:tr>
+              <a:tr h="0">
+                <a:tc>
+                  <a:txBody>
+                    <a:bodyPr/>
+                    <a:lstStyle/>
+                    <a:p>
+                      <a:pPr lvl="0" indent="0" marL="0">
+                        <a:buNone/>
+                      </a:pPr>
+                      <a:r>
+                        <a:rPr/>
+                        <a:t>IMC</a:t>
+                      </a:r>
+                    </a:p>
+                  </a:txBody>
+                </a:tc>
+                <a:tc>
+                  <a:txBody>
+                    <a:bodyPr/>
+                    <a:lstStyle/>
+                    <a:p>
+                      <a:pPr lvl="0" indent="0" marL="0">
+                        <a:buNone/>
+                      </a:pPr>
+                      <a:r>
+                        <a:rPr/>
+                        <a:t>21.78 (18.62, 24.54)</a:t>
+                      </a:r>
+                    </a:p>
+                  </a:txBody>
+                </a:tc>
+                <a:tc>
+                  <a:txBody>
+                    <a:bodyPr/>
+                    <a:lstStyle/>
+                    <a:p>
+                      <a:pPr lvl="0" indent="0" marL="0">
+                        <a:buNone/>
+                      </a:pPr>
+                      <a:r>
+                        <a:rPr/>
+                        <a:t>21.69 (18.87, 24.18)</a:t>
+                      </a:r>
+                    </a:p>
+                  </a:txBody>
+                </a:tc>
+                <a:tc>
+                  <a:txBody>
+                    <a:bodyPr/>
+                    <a:lstStyle/>
+                    <a:p>
+                      <a:pPr lvl="0" indent="0" marL="0">
+                        <a:buNone/>
+                      </a:pPr>
+                      <a:r>
+                        <a:rPr/>
+                        <a:t>22.07 (18.62, 25.86)</a:t>
+                      </a:r>
+                    </a:p>
+                  </a:txBody>
+                </a:tc>
+                <a:tc>
+                  <a:txBody>
+                    <a:bodyPr/>
+                    <a:lstStyle/>
+                    <a:p>
+                      <a:pPr lvl="0" indent="0" marL="0">
+                        <a:buNone/>
+                      </a:pPr>
+                      <a:r>
+                        <a:rPr/>
+                        <a:t>0.885</a:t>
+                      </a:r>
+                    </a:p>
+                  </a:txBody>
+                </a:tc>
+              </a:tr>
+              <a:tr h="0">
+                <a:tc>
+                  <a:txBody>
+                    <a:bodyPr/>
+                    <a:lstStyle/>
+                    <a:p>
+                      <a:pPr lvl="0" indent="0" marL="0">
+                        <a:buNone/>
+                      </a:pPr>
+                      <a:r>
+                        <a:rPr/>
+                        <a:t>Pliegue bicipital (mm)</a:t>
+                      </a:r>
+                    </a:p>
+                  </a:txBody>
+                </a:tc>
+                <a:tc>
+                  <a:txBody>
+                    <a:bodyPr/>
+                    <a:lstStyle/>
+                    <a:p>
+                      <a:pPr lvl="0" indent="0" marL="0">
+                        <a:buNone/>
+                      </a:pPr>
+                      <a:r>
+                        <a:rPr/>
+                        <a:t>13.67 (11.00, 17.67)</a:t>
+                      </a:r>
+                    </a:p>
+                  </a:txBody>
+                </a:tc>
+                <a:tc>
+                  <a:txBody>
+                    <a:bodyPr/>
+                    <a:lstStyle/>
+                    <a:p>
+                      <a:pPr lvl="0" indent="0" marL="0">
+                        <a:buNone/>
+                      </a:pPr>
+                      <a:r>
+                        <a:rPr/>
+                        <a:t>13.33 (10.50, 19.33)</a:t>
+                      </a:r>
+                    </a:p>
+                  </a:txBody>
+                </a:tc>
+                <a:tc>
+                  <a:txBody>
+                    <a:bodyPr/>
+                    <a:lstStyle/>
+                    <a:p>
+                      <a:pPr lvl="0" indent="0" marL="0">
+                        <a:buNone/>
+                      </a:pPr>
+                      <a:r>
+                        <a:rPr/>
+                        <a:t>13.75 (11.00, 16.00)</a:t>
+                      </a:r>
+                    </a:p>
+                  </a:txBody>
+                </a:tc>
+                <a:tc>
+                  <a:txBody>
+                    <a:bodyPr/>
+                    <a:lstStyle/>
+                    <a:p>
+                      <a:pPr lvl="0" indent="0" marL="0">
+                        <a:buNone/>
+                      </a:pPr>
+                      <a:r>
+                        <a:rPr/>
+                        <a:t>0.927</a:t>
+                      </a:r>
+                    </a:p>
+                  </a:txBody>
+                </a:tc>
+              </a:tr>
+              <a:tr h="0">
+                <a:tc>
+                  <a:txBody>
+                    <a:bodyPr/>
+                    <a:lstStyle/>
+                    <a:p>
+                      <a:pPr lvl="0" indent="0" marL="0">
+                        <a:buNone/>
+                      </a:pPr>
+                      <a:r>
+                        <a:rPr/>
+                        <a:t>Pliegue tricipital (mm)</a:t>
+                      </a:r>
+                    </a:p>
+                  </a:txBody>
+                </a:tc>
+                <a:tc>
+                  <a:txBody>
+                    <a:bodyPr/>
+                    <a:lstStyle/>
+                    <a:p>
+                      <a:pPr lvl="0" indent="0" marL="0">
+                        <a:buNone/>
+                      </a:pPr>
+                      <a:r>
+                        <a:rPr/>
+                        <a:t>17.50 (14.50, 23.00)</a:t>
+                      </a:r>
+                    </a:p>
+                  </a:txBody>
+                </a:tc>
+                <a:tc>
+                  <a:txBody>
+                    <a:bodyPr/>
+                    <a:lstStyle/>
+                    <a:p>
+                      <a:pPr lvl="0" indent="0" marL="0">
+                        <a:buNone/>
+                      </a:pPr>
+                      <a:r>
+                        <a:rPr/>
+                        <a:t>16.50 (14.00, 20.50)</a:t>
+                      </a:r>
+                    </a:p>
+                  </a:txBody>
+                </a:tc>
+                <a:tc>
+                  <a:txBody>
+                    <a:bodyPr/>
+                    <a:lstStyle/>
+                    <a:p>
+                      <a:pPr lvl="0" indent="0" marL="0">
+                        <a:buNone/>
+                      </a:pPr>
+                      <a:r>
+                        <a:rPr/>
+                        <a:t>21.00 (17.50, 24.50)</a:t>
+                      </a:r>
+                    </a:p>
+                  </a:txBody>
+                </a:tc>
+                <a:tc>
+                  <a:txBody>
+                    <a:bodyPr/>
+                    <a:lstStyle/>
+                    <a:p>
+                      <a:pPr lvl="0" indent="0" marL="0">
+                        <a:buNone/>
+                      </a:pPr>
+                      <a:r>
+                        <a:rPr/>
+                        <a:t>0.006</a:t>
+                      </a:r>
+                    </a:p>
+                  </a:txBody>
+                </a:tc>
+              </a:tr>
+              <a:tr h="0">
+                <a:tc>
+                  <a:txBody>
+                    <a:bodyPr/>
+                    <a:lstStyle/>
+                    <a:p>
+                      <a:pPr lvl="0" indent="0" marL="0">
+                        <a:buNone/>
+                      </a:pPr>
+                      <a:r>
+                        <a:rPr/>
+                        <a:t>Pliegue subescapular (mm)</a:t>
+                      </a:r>
+                    </a:p>
+                  </a:txBody>
+                </a:tc>
+                <a:tc>
+                  <a:txBody>
+                    <a:bodyPr/>
+                    <a:lstStyle/>
+                    <a:p>
+                      <a:pPr lvl="0" indent="0" marL="0">
+                        <a:buNone/>
+                      </a:pPr>
+                      <a:r>
+                        <a:rPr/>
+                        <a:t>15.17 (11.50, 21.00)</a:t>
+                      </a:r>
+                    </a:p>
+                  </a:txBody>
+                </a:tc>
+                <a:tc>
+                  <a:txBody>
+                    <a:bodyPr/>
+                    <a:lstStyle/>
+                    <a:p>
+                      <a:pPr lvl="0" indent="0" marL="0">
+                        <a:buNone/>
+                      </a:pPr>
+                      <a:r>
+                        <a:rPr/>
+                        <a:t>14.33 (10.00, 19.67)</a:t>
+                      </a:r>
+                    </a:p>
+                  </a:txBody>
+                </a:tc>
+                <a:tc>
+                  <a:txBody>
+                    <a:bodyPr/>
+                    <a:lstStyle/>
+                    <a:p>
+                      <a:pPr lvl="0" indent="0" marL="0">
+                        <a:buNone/>
+                      </a:pPr>
+                      <a:r>
+                        <a:rPr/>
+                        <a:t>17.00 (13.50, 22.00)</a:t>
+                      </a:r>
+                    </a:p>
+                  </a:txBody>
+                </a:tc>
+                <a:tc>
+                  <a:txBody>
+                    <a:bodyPr/>
+                    <a:lstStyle/>
+                    <a:p>
+                      <a:pPr lvl="0" indent="0" marL="0">
+                        <a:buNone/>
+                      </a:pPr>
+                      <a:r>
+                        <a:rPr/>
+                        <a:t>0.046</a:t>
+                      </a:r>
+                    </a:p>
+                  </a:txBody>
+                </a:tc>
+              </a:tr>
+              <a:tr h="0">
+                <a:tc>
+                  <a:txBody>
+                    <a:bodyPr/>
+                    <a:lstStyle/>
+                    <a:p>
+                      <a:pPr lvl="0" indent="0" marL="0">
+                        <a:buNone/>
+                      </a:pPr>
+                      <a:r>
+                        <a:rPr/>
+                        <a:t>Perímetro del cuello (cm)</a:t>
+                      </a:r>
+                    </a:p>
+                  </a:txBody>
+                </a:tc>
+                <a:tc>
+                  <a:txBody>
+                    <a:bodyPr/>
+                    <a:lstStyle/>
+                    <a:p>
+                      <a:pPr lvl="0" indent="0" marL="0">
+                        <a:buNone/>
+                      </a:pPr>
+                      <a:r>
+                        <a:rPr/>
+                        <a:t>31.00 (29.60, 33.17)</a:t>
+                      </a:r>
+                    </a:p>
+                  </a:txBody>
+                </a:tc>
+                <a:tc>
+                  <a:txBody>
+                    <a:bodyPr/>
+                    <a:lstStyle/>
+                    <a:p>
+                      <a:pPr lvl="0" indent="0" marL="0">
+                        <a:buNone/>
+                      </a:pPr>
+                      <a:r>
+                        <a:rPr/>
+                        <a:t>31.40 (30.13, 33.00)</a:t>
+                      </a:r>
+                    </a:p>
+                  </a:txBody>
+                </a:tc>
+                <a:tc>
+                  <a:txBody>
+                    <a:bodyPr/>
+                    <a:lstStyle/>
+                    <a:p>
+                      <a:pPr lvl="0" indent="0" marL="0">
+                        <a:buNone/>
+                      </a:pPr>
+                      <a:r>
+                        <a:rPr/>
+                        <a:t>30.48 (29.25, 33.50)</a:t>
+                      </a:r>
+                    </a:p>
+                  </a:txBody>
+                </a:tc>
+                <a:tc>
+                  <a:txBody>
+                    <a:bodyPr/>
+                    <a:lstStyle/>
+                    <a:p>
+                      <a:pPr lvl="0" indent="0" marL="0">
+                        <a:buNone/>
+                      </a:pPr>
+                      <a:r>
+                        <a:rPr/>
+                        <a:t>0.197</a:t>
+                      </a:r>
+                    </a:p>
+                  </a:txBody>
+                </a:tc>
+              </a:tr>
+              <a:tr h="0">
+                <a:tc>
+                  <a:txBody>
+                    <a:bodyPr/>
+                    <a:lstStyle/>
+                    <a:p>
+                      <a:pPr lvl="0" indent="0" marL="0">
+                        <a:buNone/>
+                      </a:pPr>
+                      <a:r>
+                        <a:rPr baseline="30000"/>
+                        <a:t>1</a:t>
+                      </a:r>
+                      <a:r>
+                        <a:rPr/>
+                        <a:t> n (%); Median (Q1, Q3)</a:t>
+                      </a:r>
+                    </a:p>
+                  </a:txBody>
+                </a:tc>
+                <a:tc>
+                  <a:txBody>
+                    <a:bodyPr/>
+                    <a:lstStyle/>
+                    <a:p>
+                      <a:endParaRPr/>
+                    </a:p>
+                  </a:txBody>
+                </a:tc>
+                <a:tc>
+                  <a:txBody>
+                    <a:bodyPr/>
+                    <a:lstStyle/>
+                    <a:p>
+                      <a:endParaRPr/>
+                    </a:p>
+                  </a:txBody>
+                </a:tc>
+                <a:tc>
+                  <a:txBody>
+                    <a:bodyPr/>
+                    <a:lstStyle/>
+                    <a:p>
+                      <a:endParaRPr/>
+                    </a:p>
+                  </a:txBody>
+                </a:tc>
+                <a:tc>
+                  <a:txBody>
+                    <a:bodyPr/>
+                    <a:lstStyle/>
+                    <a:p>
+                      <a:endParaRPr/>
+                    </a:p>
+                  </a:txBody>
+                </a:tc>
+              </a:tr>
+              <a:tr h="0">
+                <a:tc>
+                  <a:txBody>
+                    <a:bodyPr/>
+                    <a:lstStyle/>
+                    <a:p>
+                      <a:pPr lvl="0" indent="0" marL="0">
+                        <a:buNone/>
+                      </a:pPr>
+                      <a:r>
+                        <a:rPr baseline="30000"/>
+                        <a:t>2</a:t>
+                      </a:r>
+                      <a:r>
+                        <a:rPr/>
+                        <a:t> Pearson’s Chi-squared test; Fisher’s exact test; Wilcoxon rank sum test; Wilcoxon rank sum exact test</a:t>
+                      </a:r>
+                    </a:p>
+                  </a:txBody>
+                </a:tc>
+                <a:tc>
+                  <a:txBody>
+                    <a:bodyPr/>
+                    <a:lstStyle/>
+                    <a:p>
+                      <a:endParaRPr/>
+                    </a:p>
+                  </a:txBody>
+                </a:tc>
+                <a:tc>
+                  <a:txBody>
+                    <a:bodyPr/>
+                    <a:lstStyle/>
+                    <a:p>
+                      <a:endParaRPr/>
+                    </a:p>
+                  </a:txBody>
+                </a:tc>
+                <a:tc>
+                  <a:txBody>
+                    <a:bodyPr/>
+                    <a:lstStyle/>
+                    <a:p>
+                      <a:endParaRPr/>
+                    </a:p>
+                  </a:txBody>
+                </a:tc>
+                <a:tc>
+                  <a:txBody>
+                    <a:bodyPr/>
+                    <a:lstStyle/>
+                    <a:p>
+                      <a:endParaRPr/>
+                    </a:p>
+                  </a:txBody>
+                </a:tc>
+              </a:tr>
+            </a:tbl>
+          </a:graphicData>
+        </a:graphic>
+      </p:graphicFrame>
+      <p:sp>
+        <p:nvSpPr>
+          <p:cNvPr id="1" name="TextBox 3"/>
+          <p:cNvSpPr txBox="1"/>
+          <p:nvPr/>
+        </p:nvSpPr>
+        <p:spPr>
+          <a:xfrm>
+            <a:off x="457200" y="4076700"/>
+            <a:ext cx="8229600" cy="508000"/>
+          </a:xfrm>
+          <a:prstGeom prst="rect">
+            <a:avLst/>
+          </a:prstGeom>
+          <a:noFill/>
+        </p:spPr>
+        <p:txBody>
+          <a:bodyPr/>
+          <a:lstStyle/>
+          <a:p>
+            <a:pPr lvl="0" indent="0" marL="0" algn="ctr">
+              <a:buNone/>
+            </a:pPr>
+            <a:r>
+              <a:rPr b="1"/>
+              <a:t>Tabla 2. Antropometría</a:t>
+            </a:r>
+            <a:r>
+              <a:rPr/>
+              <a:t> N = 75</a:t>
+            </a:r>
+          </a:p>
+        </p:txBody>
+      </p:sp>
+    </p:spTree>
+  </p:cSld>
+</p:sld>
+</file>
+
+<file path=ppt/slides/slide9.xml><?xml version="1.0" encoding="utf-8"?>
+<p:sld xmlns:a="http://schemas.openxmlformats.org/drawingml/2006/main" xmlns:r="http://schemas.openxmlformats.org/officeDocument/2006/relationships" xmlns:p="http://schemas.openxmlformats.org/presentationml/2006/main">
+  <p:cSld>
+    <p:spTree>
+      <p:nvGrpSpPr>
+        <p:cNvPr id="1" name=""/>
+        <p:cNvGrpSpPr/>
+        <p:nvPr/>
+      </p:nvGrpSpPr>
+      <p:grpSpPr>
+        <a:xfrm>
+          <a:off x="0" y="0"/>
+          <a:ext cx="0" cy="0"/>
+          <a:chOff x="0" y="0"/>
+          <a:chExt cx="0" cy="0"/>
+        </a:xfrm>
+      </p:grpSpPr>
+      <p:sp>
+        <p:nvSpPr>
+          <p:cNvPr id="2" name="Title 1"/>
+          <p:cNvSpPr>
+            <a:spLocks noGrp="1"/>
+          </p:cNvSpPr>
+          <p:nvPr>
+            <p:ph type="title"/>
+          </p:nvPr>
+        </p:nvSpPr>
+        <p:spPr/>
+        <p:txBody>
+          <a:bodyPr/>
+          <a:lstStyle/>
+          <a:p>
+            <a:pPr lvl="0" indent="0" marL="0">
+              <a:buNone/>
+            </a:pPr>
+            <a:r>
+              <a:rPr/>
+              <a:t>Tabla 3. Grasa corporal</a:t>
+            </a:r>
+          </a:p>
+        </p:txBody>
+      </p:sp>
+      <p:graphicFrame>
+        <p:nvGraphicFramePr>
+          <p:cNvPr id="6" name="Content Placeholder 5"/>
+          <p:cNvGraphicFramePr>
+            <a:graphicFrameLocks noGrp="1"/>
+          </p:cNvGraphicFramePr>
+          <p:nvPr>
+            <p:ph idx="1"/>
+          </p:nvPr>
+        </p:nvGraphicFramePr>
+        <p:xfrm>
+          <a:off x="457200" y="1193800"/>
+          <a:ext cx="8229600" cy="2882900"/>
+        </p:xfrm>
+        <a:graphic>
+          <a:graphicData uri="http://schemas.openxmlformats.org/drawingml/2006/table">
+            <a:tbl>
+              <a:tblPr firstRow="1" bandRow="1">
+                <a:tableStyleId>{5C22544A-7EE6-4342-B048-85BDC9FD1C3A}</a:tableStyleId>
+              </a:tblPr>
+              <a:tblGrid>
+                <a:gridCol w="1651000"/>
+                <a:gridCol w="1651000"/>
+                <a:gridCol w="1651000"/>
+                <a:gridCol w="1651000"/>
+                <a:gridCol w="1651000"/>
+              </a:tblGrid>
+              <a:tr h="0">
+                <a:tc>
+                  <a:txBody>
+                    <a:bodyPr/>
+                    <a:lstStyle/>
+                    <a:p>
+                      <a:pPr lvl="0" indent="0" marL="0">
+                        <a:buNone/>
+                      </a:pPr>
+                      <a:r>
+                        <a:rPr b="1"/>
+                        <a:t>Caraterísticas</a:t>
+                      </a:r>
+                    </a:p>
+                  </a:txBody>
+                  <a:tcPr/>
+                </a:tc>
+                <a:tc>
+                  <a:txBody>
+                    <a:bodyPr/>
+                    <a:lstStyle/>
+                    <a:p>
+                      <a:pPr lvl="0" indent="0" marL="0">
+                        <a:buNone/>
+                      </a:pPr>
+                      <a:r>
+                        <a:rPr b="1"/>
+                        <a:t>Total</a:t>
+                      </a:r>
+                      <a:r>
+                        <a:rPr/>
+                        <a:t> (n = 75)</a:t>
+                      </a:r>
+                      <a:r>
+                        <a:rPr baseline="30000"/>
+                        <a:t>1</a:t>
+                      </a:r>
+                    </a:p>
+                  </a:txBody>
+                  <a:tcPr/>
+                </a:tc>
+                <a:tc>
+                  <a:txBody>
+                    <a:bodyPr/>
+                    <a:lstStyle/>
+                    <a:p>
+                      <a:pPr lvl="0" indent="0" marL="0">
+                        <a:buNone/>
+                      </a:pPr>
+                      <a:r>
+                        <a:rPr b="1"/>
+                        <a:t>Cluster 1</a:t>
+                      </a:r>
+                      <a:r>
+                        <a:rPr/>
+                        <a:t> (n = 46)</a:t>
+                      </a:r>
+                      <a:r>
+                        <a:rPr baseline="30000"/>
+                        <a:t>1</a:t>
+                      </a:r>
+                    </a:p>
+                  </a:txBody>
+                  <a:tcPr/>
+                </a:tc>
+                <a:tc>
+                  <a:txBody>
+                    <a:bodyPr/>
+                    <a:lstStyle/>
+                    <a:p>
+                      <a:pPr lvl="0" indent="0" marL="0">
+                        <a:buNone/>
+                      </a:pPr>
+                      <a:r>
+                        <a:rPr b="1"/>
+                        <a:t>Cluster 2</a:t>
+                      </a:r>
+                      <a:r>
+                        <a:rPr/>
+                        <a:t> (n = 29)</a:t>
+                      </a:r>
+                      <a:r>
+                        <a:rPr baseline="30000"/>
+                        <a:t>1</a:t>
+                      </a:r>
+                    </a:p>
+                  </a:txBody>
+                  <a:tcPr/>
+                </a:tc>
+                <a:tc>
+                  <a:txBody>
+                    <a:bodyPr/>
+                    <a:lstStyle/>
+                    <a:p>
+                      <a:pPr lvl="0" indent="0" marL="0">
+                        <a:buNone/>
+                      </a:pPr>
+                      <a:r>
+                        <a:rPr b="1"/>
+                        <a:t>p-value</a:t>
+                      </a:r>
+                      <a:r>
+                        <a:rPr baseline="30000"/>
+                        <a:t>2</a:t>
+                      </a:r>
+                    </a:p>
+                  </a:txBody>
+                  <a:tcPr/>
+                </a:tc>
+              </a:tr>
+              <a:tr h="0">
+                <a:tc>
+                  <a:txBody>
+                    <a:bodyPr/>
+                    <a:lstStyle/>
+                    <a:p>
+                      <a:pPr lvl="0" indent="0" marL="0">
+                        <a:buNone/>
+                      </a:pPr>
+                      <a:r>
+                        <a:rPr/>
+                        <a:t>Perímetro de cintura (cm)</a:t>
+                      </a:r>
+                    </a:p>
+                  </a:txBody>
+                </a:tc>
+                <a:tc>
+                  <a:txBody>
+                    <a:bodyPr/>
+                    <a:lstStyle/>
+                    <a:p>
+                      <a:pPr lvl="0" indent="0" marL="0">
+                        <a:buNone/>
+                      </a:pPr>
+                      <a:r>
+                        <a:rPr/>
+                        <a:t>72.37 (67.05, 80.82)</a:t>
+                      </a:r>
+                    </a:p>
+                  </a:txBody>
+                </a:tc>
+                <a:tc>
+                  <a:txBody>
+                    <a:bodyPr/>
+                    <a:lstStyle/>
+                    <a:p>
+                      <a:pPr lvl="0" indent="0" marL="0">
+                        <a:buNone/>
+                      </a:pPr>
+                      <a:r>
+                        <a:rPr/>
+                        <a:t>72.20 (67.13, 81.13)</a:t>
+                      </a:r>
+                    </a:p>
+                  </a:txBody>
+                </a:tc>
+                <a:tc>
+                  <a:txBody>
+                    <a:bodyPr/>
+                    <a:lstStyle/>
+                    <a:p>
+                      <a:pPr lvl="0" indent="0" marL="0">
+                        <a:buNone/>
+                      </a:pPr>
+                      <a:r>
+                        <a:rPr/>
+                        <a:t>72.85 (66.85, 78.45)</a:t>
+                      </a:r>
+                    </a:p>
+                  </a:txBody>
+                </a:tc>
+                <a:tc>
+                  <a:txBody>
+                    <a:bodyPr/>
+                    <a:lstStyle/>
+                    <a:p>
+                      <a:pPr lvl="0" indent="0" marL="0">
+                        <a:buNone/>
+                      </a:pPr>
+                      <a:r>
+                        <a:rPr/>
+                        <a:t>0.648</a:t>
+                      </a:r>
+                    </a:p>
+                  </a:txBody>
+                </a:tc>
+              </a:tr>
+              <a:tr h="0">
+                <a:tc>
+                  <a:txBody>
+                    <a:bodyPr/>
+                    <a:lstStyle/>
+                    <a:p>
+                      <a:pPr lvl="0" indent="0" marL="0">
+                        <a:buNone/>
+                      </a:pPr>
+                      <a:r>
+                        <a:rPr/>
+                        <a:t>Perímetro de cadera (cm)</a:t>
+                      </a:r>
+                    </a:p>
+                  </a:txBody>
+                </a:tc>
+                <a:tc>
+                  <a:txBody>
+                    <a:bodyPr/>
+                    <a:lstStyle/>
+                    <a:p>
+                      <a:pPr lvl="0" indent="0" marL="0">
+                        <a:buNone/>
+                      </a:pPr>
+                      <a:r>
+                        <a:rPr/>
+                        <a:t>84.78 (76.23, 93.22)</a:t>
+                      </a:r>
+                    </a:p>
+                  </a:txBody>
+                </a:tc>
+                <a:tc>
+                  <a:txBody>
+                    <a:bodyPr/>
+                    <a:lstStyle/>
+                    <a:p>
+                      <a:pPr lvl="0" indent="0" marL="0">
+                        <a:buNone/>
+                      </a:pPr>
+                      <a:r>
+                        <a:rPr/>
+                        <a:t>79.73 (72.80, 86.90)</a:t>
+                      </a:r>
+                    </a:p>
+                  </a:txBody>
+                </a:tc>
+                <a:tc>
+                  <a:txBody>
+                    <a:bodyPr/>
+                    <a:lstStyle/>
+                    <a:p>
+                      <a:pPr lvl="0" indent="0" marL="0">
+                        <a:buNone/>
+                      </a:pPr>
+                      <a:r>
+                        <a:rPr/>
+                        <a:t>92.45 (84.95, 96.00)</a:t>
+                      </a:r>
+                    </a:p>
+                  </a:txBody>
+                </a:tc>
+                <a:tc>
+                  <a:txBody>
+                    <a:bodyPr/>
+                    <a:lstStyle/>
+                    <a:p>
+                      <a:pPr lvl="0" indent="0" marL="0">
+                        <a:buNone/>
+                      </a:pPr>
+                      <a:r>
+                        <a:rPr/>
+                        <a:t>&lt;0.001</a:t>
+                      </a:r>
+                    </a:p>
+                  </a:txBody>
+                </a:tc>
+              </a:tr>
+              <a:tr h="0">
+                <a:tc>
+                  <a:txBody>
+                    <a:bodyPr/>
+                    <a:lstStyle/>
+                    <a:p>
+                      <a:pPr lvl="0" indent="0" marL="0">
+                        <a:buNone/>
+                      </a:pPr>
+                      <a:r>
+                        <a:rPr/>
+                        <a:t>ICC</a:t>
+                      </a:r>
+                    </a:p>
+                  </a:txBody>
+                </a:tc>
+                <a:tc>
+                  <a:txBody>
+                    <a:bodyPr/>
+                    <a:lstStyle/>
+                    <a:p>
+                      <a:pPr lvl="0" indent="0" marL="0">
+                        <a:buNone/>
+                      </a:pPr>
+                      <a:r>
+                        <a:rPr/>
+                        <a:t>0.88 (0.81, 0.95)</a:t>
+                      </a:r>
+                    </a:p>
+                  </a:txBody>
+                </a:tc>
+                <a:tc>
+                  <a:txBody>
+                    <a:bodyPr/>
+                    <a:lstStyle/>
+                    <a:p>
+                      <a:pPr lvl="0" indent="0" marL="0">
+                        <a:buNone/>
+                      </a:pPr>
+                      <a:r>
+                        <a:rPr/>
+                        <a:t>0.93 (0.88, 0.99)</a:t>
+                      </a:r>
+                    </a:p>
+                  </a:txBody>
+                </a:tc>
+                <a:tc>
+                  <a:txBody>
+                    <a:bodyPr/>
+                    <a:lstStyle/>
+                    <a:p>
+                      <a:pPr lvl="0" indent="0" marL="0">
+                        <a:buNone/>
+                      </a:pPr>
+                      <a:r>
+                        <a:rPr/>
+                        <a:t>0.79 (0.77, 0.84)</a:t>
+                      </a:r>
+                    </a:p>
+                  </a:txBody>
+                </a:tc>
+                <a:tc>
+                  <a:txBody>
+                    <a:bodyPr/>
+                    <a:lstStyle/>
+                    <a:p>
+                      <a:pPr lvl="0" indent="0" marL="0">
+                        <a:buNone/>
+                      </a:pPr>
+                      <a:r>
+                        <a:rPr/>
+                        <a:t>&lt;0.001</a:t>
+                      </a:r>
+                    </a:p>
+                  </a:txBody>
+                </a:tc>
+              </a:tr>
+              <a:tr h="0">
+                <a:tc>
+                  <a:txBody>
+                    <a:bodyPr/>
+                    <a:lstStyle/>
+                    <a:p>
+                      <a:pPr lvl="0" indent="0" marL="0">
+                        <a:buNone/>
+                      </a:pPr>
+                      <a:r>
+                        <a:rPr/>
+                        <a:t>%GC Boileau et al. (1985)</a:t>
+                      </a:r>
+                    </a:p>
+                  </a:txBody>
+                </a:tc>
+                <a:tc>
+                  <a:txBody>
+                    <a:bodyPr/>
+                    <a:lstStyle/>
+                    <a:p>
+                      <a:pPr lvl="0" indent="0" marL="0">
+                        <a:buNone/>
+                      </a:pPr>
+                      <a:r>
+                        <a:rPr/>
+                        <a:t>27.59 (23.40, 31.84)</a:t>
+                      </a:r>
+                    </a:p>
+                  </a:txBody>
+                </a:tc>
+                <a:tc>
+                  <a:txBody>
+                    <a:bodyPr/>
+                    <a:lstStyle/>
+                    <a:p>
+                      <a:pPr lvl="0" indent="0" marL="0">
+                        <a:buNone/>
+                      </a:pPr>
+                      <a:r>
+                        <a:rPr/>
+                        <a:t>26.02 (20.90, 29.92)</a:t>
+                      </a:r>
+                    </a:p>
+                  </a:txBody>
+                </a:tc>
+                <a:tc>
+                  <a:txBody>
+                    <a:bodyPr/>
+                    <a:lstStyle/>
+                    <a:p>
+                      <a:pPr lvl="0" indent="0" marL="0">
+                        <a:buNone/>
+                      </a:pPr>
+                      <a:r>
+                        <a:rPr/>
+                        <a:t>29.77 (26.12, 32.51)</a:t>
+                      </a:r>
+                    </a:p>
+                  </a:txBody>
+                </a:tc>
+                <a:tc>
+                  <a:txBody>
+                    <a:bodyPr/>
+                    <a:lstStyle/>
+                    <a:p>
+                      <a:pPr lvl="0" indent="0" marL="0">
+                        <a:buNone/>
+                      </a:pPr>
+                      <a:r>
+                        <a:rPr/>
+                        <a:t>0.008</a:t>
+                      </a:r>
+                    </a:p>
+                  </a:txBody>
+                </a:tc>
+              </a:tr>
+              <a:tr h="0">
+                <a:tc>
+                  <a:txBody>
+                    <a:bodyPr/>
+                    <a:lstStyle/>
+                    <a:p>
+                      <a:pPr lvl="0" indent="0" marL="0">
+                        <a:buNone/>
+                      </a:pPr>
+                      <a:r>
+                        <a:rPr/>
+                        <a:t>%GC Slaughetr et al. (1988)</a:t>
+                      </a:r>
+                    </a:p>
+                  </a:txBody>
+                </a:tc>
+                <a:tc>
+                  <a:txBody>
+                    <a:bodyPr/>
+                    <a:lstStyle/>
+                    <a:p>
+                      <a:pPr lvl="0" indent="0" marL="0">
+                        <a:buNone/>
+                      </a:pPr>
+                      <a:r>
+                        <a:rPr/>
+                        <a:t>28.11 (24.15, 33.87)</a:t>
+                      </a:r>
+                    </a:p>
+                  </a:txBody>
+                </a:tc>
+                <a:tc>
+                  <a:txBody>
+                    <a:bodyPr/>
+                    <a:lstStyle/>
+                    <a:p>
+                      <a:pPr lvl="0" indent="0" marL="0">
+                        <a:buNone/>
+                      </a:pPr>
+                      <a:r>
+                        <a:rPr/>
+                        <a:t>26.54 (21.18, 30.63)</a:t>
+                      </a:r>
+                    </a:p>
+                  </a:txBody>
+                </a:tc>
+                <a:tc>
+                  <a:txBody>
+                    <a:bodyPr/>
+                    <a:lstStyle/>
+                    <a:p>
+                      <a:pPr lvl="0" indent="0" marL="0">
+                        <a:buNone/>
+                      </a:pPr>
+                      <a:r>
+                        <a:rPr/>
+                        <a:t>30.45 (26.63, 35.09)</a:t>
+                      </a:r>
+                    </a:p>
+                  </a:txBody>
+                </a:tc>
+                <a:tc>
+                  <a:txBody>
+                    <a:bodyPr/>
+                    <a:lstStyle/>
+                    <a:p>
+                      <a:pPr lvl="0" indent="0" marL="0">
+                        <a:buNone/>
+                      </a:pPr>
+                      <a:r>
+                        <a:rPr/>
+                        <a:t>0.011</a:t>
+                      </a:r>
+                    </a:p>
+                  </a:txBody>
+                </a:tc>
+              </a:tr>
+              <a:tr h="0">
+                <a:tc>
+                  <a:txBody>
+                    <a:bodyPr/>
+                    <a:lstStyle/>
+                    <a:p>
+                      <a:pPr lvl="0" indent="0" marL="0">
+                        <a:buNone/>
+                      </a:pPr>
+                      <a:r>
+                        <a:rPr/>
+                        <a:t>%GC Deuremberg et al.(1991)</a:t>
+                      </a:r>
+                    </a:p>
+                  </a:txBody>
+                </a:tc>
+                <a:tc>
+                  <a:txBody>
+                    <a:bodyPr/>
+                    <a:lstStyle/>
+                    <a:p>
+                      <a:pPr lvl="0" indent="0" marL="0">
+                        <a:buNone/>
+                      </a:pPr>
+                      <a:r>
+                        <a:rPr/>
+                        <a:t>25.80 (19.90, 29.24)</a:t>
+                      </a:r>
+                    </a:p>
+                  </a:txBody>
+                </a:tc>
+                <a:tc>
+                  <a:txBody>
+                    <a:bodyPr/>
+                    <a:lstStyle/>
+                    <a:p>
+                      <a:pPr lvl="0" indent="0" marL="0">
+                        <a:buNone/>
+                      </a:pPr>
+                      <a:r>
+                        <a:rPr/>
+                        <a:t>25.73 (19.21, 29.15)</a:t>
+                      </a:r>
+                    </a:p>
+                  </a:txBody>
+                </a:tc>
+                <a:tc>
+                  <a:txBody>
+                    <a:bodyPr/>
+                    <a:lstStyle/>
+                    <a:p>
+                      <a:pPr lvl="0" indent="0" marL="0">
+                        <a:buNone/>
+                      </a:pPr>
+                      <a:r>
+                        <a:rPr/>
+                        <a:t>26.53 (20.59, 29.24)</a:t>
+                      </a:r>
+                    </a:p>
+                  </a:txBody>
+                </a:tc>
+                <a:tc>
+                  <a:txBody>
+                    <a:bodyPr/>
+                    <a:lstStyle/>
+                    <a:p>
+                      <a:pPr lvl="0" indent="0" marL="0">
+                        <a:buNone/>
+                      </a:pPr>
+                      <a:r>
+                        <a:rPr/>
+                        <a:t>0.646</a:t>
+                      </a:r>
+                    </a:p>
+                  </a:txBody>
+                </a:tc>
+              </a:tr>
+              <a:tr h="0">
+                <a:tc>
+                  <a:txBody>
+                    <a:bodyPr/>
+                    <a:lstStyle/>
+                    <a:p>
+                      <a:pPr lvl="0" indent="0" marL="0">
+                        <a:buNone/>
+                      </a:pPr>
+                      <a:r>
+                        <a:rPr/>
+                        <a:t>%GC índice cintura talla</a:t>
+                      </a:r>
+                    </a:p>
+                  </a:txBody>
+                </a:tc>
+                <a:tc>
+                  <a:txBody>
+                    <a:bodyPr/>
+                    <a:lstStyle/>
+                    <a:p>
+                      <a:pPr lvl="0" indent="0" marL="0">
+                        <a:buNone/>
+                      </a:pPr>
+                      <a:r>
+                        <a:rPr/>
+                        <a:t>34.10 (29.87, 38.21)</a:t>
+                      </a:r>
+                    </a:p>
+                  </a:txBody>
+                </a:tc>
+                <a:tc>
+                  <a:txBody>
+                    <a:bodyPr/>
+                    <a:lstStyle/>
+                    <a:p>
+                      <a:pPr lvl="0" indent="0" marL="0">
+                        <a:buNone/>
+                      </a:pPr>
+                      <a:r>
+                        <a:rPr/>
+                        <a:t>32.43 (27.30, 37.33)</a:t>
+                      </a:r>
+                    </a:p>
+                  </a:txBody>
+                </a:tc>
+                <a:tc>
+                  <a:txBody>
+                    <a:bodyPr/>
+                    <a:lstStyle/>
+                    <a:p>
+                      <a:pPr lvl="0" indent="0" marL="0">
+                        <a:buNone/>
+                      </a:pPr>
+                      <a:r>
+                        <a:rPr/>
+                        <a:t>35.52 (32.00, 39.47)</a:t>
+                      </a:r>
+                    </a:p>
+                  </a:txBody>
+                </a:tc>
+                <a:tc>
+                  <a:txBody>
+                    <a:bodyPr/>
+                    <a:lstStyle/>
+                    <a:p>
+                      <a:pPr lvl="0" indent="0" marL="0">
+                        <a:buNone/>
+                      </a:pPr>
+                      <a:r>
+                        <a:rPr/>
+                        <a:t>0.062</a:t>
+                      </a:r>
+                    </a:p>
+                  </a:txBody>
+                </a:tc>
+              </a:tr>
+              <a:tr h="0">
+                <a:tc>
+                  <a:txBody>
+                    <a:bodyPr/>
+                    <a:lstStyle/>
+                    <a:p>
+                      <a:pPr lvl="0" indent="0" marL="0">
+                        <a:buNone/>
+                      </a:pPr>
+                      <a:r>
+                        <a:rPr/>
+                        <a:t>%GC índice ponderal</a:t>
+                      </a:r>
+                    </a:p>
+                  </a:txBody>
+                </a:tc>
+                <a:tc>
+                  <a:txBody>
+                    <a:bodyPr/>
+                    <a:lstStyle/>
+                    <a:p>
+                      <a:pPr lvl="0" indent="0" marL="0">
+                        <a:buNone/>
+                      </a:pPr>
+                      <a:r>
+                        <a:rPr/>
+                        <a:t>34.02 (29.50, 37.86)</a:t>
+                      </a:r>
+                    </a:p>
+                  </a:txBody>
+                </a:tc>
+                <a:tc>
+                  <a:txBody>
+                    <a:bodyPr/>
+                    <a:lstStyle/>
+                    <a:p>
+                      <a:pPr lvl="0" indent="0" marL="0">
+                        <a:buNone/>
+                      </a:pPr>
+                      <a:r>
+                        <a:rPr/>
+                        <a:t>32.69 (27.20, 36.25)</a:t>
+                      </a:r>
+                    </a:p>
+                  </a:txBody>
+                </a:tc>
+                <a:tc>
+                  <a:txBody>
+                    <a:bodyPr/>
+                    <a:lstStyle/>
+                    <a:p>
+                      <a:pPr lvl="0" indent="0" marL="0">
+                        <a:buNone/>
+                      </a:pPr>
+                      <a:r>
+                        <a:rPr/>
+                        <a:t>36.16 (31.65, 39.10)</a:t>
+                      </a:r>
+                    </a:p>
+                  </a:txBody>
+                </a:tc>
+                <a:tc>
+                  <a:txBody>
+                    <a:bodyPr/>
+                    <a:lstStyle/>
+                    <a:p>
+                      <a:pPr lvl="0" indent="0" marL="0">
+                        <a:buNone/>
+                      </a:pPr>
+                      <a:r>
+                        <a:rPr/>
+                        <a:t>0.045</a:t>
+                      </a:r>
+                    </a:p>
+                  </a:txBody>
+                </a:tc>
+              </a:tr>
+              <a:tr h="0">
+                <a:tc>
+                  <a:txBody>
+                    <a:bodyPr/>
+                    <a:lstStyle/>
+                    <a:p>
+                      <a:pPr lvl="0" indent="0" marL="0">
+                        <a:buNone/>
+                      </a:pPr>
+                      <a:r>
+                        <a:rPr/>
+                        <a:t>IMC para la edad</a:t>
+                      </a:r>
+                    </a:p>
+                  </a:txBody>
+                </a:tc>
+                <a:tc>
+                  <a:txBody>
+                    <a:bodyPr/>
+                    <a:lstStyle/>
+                    <a:p>
+                      <a:pPr lvl="0" indent="0" marL="0">
+                        <a:buNone/>
+                      </a:pPr>
+                      <a:br/>
+                    </a:p>
+                  </a:txBody>
+                </a:tc>
+                <a:tc>
+                  <a:txBody>
+                    <a:bodyPr/>
+                    <a:lstStyle/>
+                    <a:p>
+                      <a:pPr lvl="0" indent="0" marL="0">
+                        <a:buNone/>
+                      </a:pPr>
+                      <a:br/>
+                    </a:p>
+                  </a:txBody>
+                </a:tc>
+                <a:tc>
+                  <a:txBody>
+                    <a:bodyPr/>
+                    <a:lstStyle/>
+                    <a:p>
+                      <a:pPr lvl="0" indent="0" marL="0">
+                        <a:buNone/>
+                      </a:pPr>
+                      <a:br/>
+                    </a:p>
+                  </a:txBody>
+                </a:tc>
+                <a:tc>
+                  <a:txBody>
+                    <a:bodyPr/>
+                    <a:lstStyle/>
+                    <a:p>
+                      <a:pPr lvl="0" indent="0" marL="0">
+                        <a:buNone/>
+                      </a:pPr>
+                      <a:r>
+                        <a:rPr/>
+                        <a:t>0.732</a:t>
+                      </a:r>
+                    </a:p>
+                  </a:txBody>
+                </a:tc>
+              </a:tr>
+              <a:tr h="0">
+                <a:tc>
+                  <a:txBody>
+                    <a:bodyPr/>
+                    <a:lstStyle/>
+                    <a:p>
+                      <a:pPr lvl="0" indent="0" marL="0">
+                        <a:buNone/>
+                      </a:pPr>
+                      <a:r>
+                        <a:rPr/>
+                        <a:t>    Normal</a:t>
+                      </a:r>
+                    </a:p>
+                  </a:txBody>
+                </a:tc>
+                <a:tc>
+                  <a:txBody>
+                    <a:bodyPr/>
+                    <a:lstStyle/>
+                    <a:p>
+                      <a:pPr lvl="0" indent="0" marL="0">
+                        <a:buNone/>
+                      </a:pPr>
+                      <a:r>
+                        <a:rPr/>
+                        <a:t>30.0 (40.0%)</a:t>
+                      </a:r>
+                    </a:p>
+                  </a:txBody>
+                </a:tc>
+                <a:tc>
+                  <a:txBody>
+                    <a:bodyPr/>
+                    <a:lstStyle/>
+                    <a:p>
+                      <a:pPr lvl="0" indent="0" marL="0">
+                        <a:buNone/>
+                      </a:pPr>
+                      <a:r>
+                        <a:rPr/>
+                        <a:t>19.0 (41.3%)</a:t>
+                      </a:r>
+                    </a:p>
+                  </a:txBody>
+                </a:tc>
+                <a:tc>
+                  <a:txBody>
+                    <a:bodyPr/>
+                    <a:lstStyle/>
+                    <a:p>
+                      <a:pPr lvl="0" indent="0" marL="0">
+                        <a:buNone/>
+                      </a:pPr>
+                      <a:r>
+                        <a:rPr/>
+                        <a:t>11.0 (37.9%)</a:t>
+                      </a:r>
+                    </a:p>
+                  </a:txBody>
+                </a:tc>
+                <a:tc>
+                  <a:txBody>
+                    <a:bodyPr/>
+                    <a:lstStyle/>
+                    <a:p>
+                      <a:pPr lvl="0" indent="0" marL="0">
+                        <a:buNone/>
+                      </a:pPr>
+                      <a:br/>
+                    </a:p>
+                  </a:txBody>
+                </a:tc>
+              </a:tr>
+              <a:tr h="0">
+                <a:tc>
+                  <a:txBody>
+                    <a:bodyPr/>
+                    <a:lstStyle/>
+                    <a:p>
+                      <a:pPr lvl="0" indent="0" marL="0">
+                        <a:buNone/>
+                      </a:pPr>
+                      <a:r>
+                        <a:rPr/>
+                        <a:t>    Obesidad</a:t>
+                      </a:r>
+                    </a:p>
+                  </a:txBody>
+                </a:tc>
+                <a:tc>
+                  <a:txBody>
+                    <a:bodyPr/>
+                    <a:lstStyle/>
+                    <a:p>
+                      <a:pPr lvl="0" indent="0" marL="0">
+                        <a:buNone/>
+                      </a:pPr>
+                      <a:r>
+                        <a:rPr/>
+                        <a:t>22.0 (29.3%)</a:t>
+                      </a:r>
+                    </a:p>
+                  </a:txBody>
+                </a:tc>
+                <a:tc>
+                  <a:txBody>
+                    <a:bodyPr/>
+                    <a:lstStyle/>
+                    <a:p>
+                      <a:pPr lvl="0" indent="0" marL="0">
+                        <a:buNone/>
+                      </a:pPr>
+                      <a:r>
+                        <a:rPr/>
+                        <a:t>12.0 (26.1%)</a:t>
+                      </a:r>
+                    </a:p>
+                  </a:txBody>
+                </a:tc>
+                <a:tc>
+                  <a:txBody>
+                    <a:bodyPr/>
+                    <a:lstStyle/>
+                    <a:p>
+                      <a:pPr lvl="0" indent="0" marL="0">
+                        <a:buNone/>
+                      </a:pPr>
+                      <a:r>
+                        <a:rPr/>
+                        <a:t>10.0 (34.5%)</a:t>
+                      </a:r>
+                    </a:p>
+                  </a:txBody>
+                </a:tc>
+                <a:tc>
+                  <a:txBody>
+                    <a:bodyPr/>
+                    <a:lstStyle/>
+                    <a:p>
+                      <a:pPr lvl="0" indent="0" marL="0">
+                        <a:buNone/>
+                      </a:pPr>
+                      <a:br/>
+                    </a:p>
+                  </a:txBody>
+                </a:tc>
+              </a:tr>
+              <a:tr h="0">
+                <a:tc>
+                  <a:txBody>
+                    <a:bodyPr/>
+                    <a:lstStyle/>
+                    <a:p>
+                      <a:pPr lvl="0" indent="0" marL="0">
+                        <a:buNone/>
+                      </a:pPr>
+                      <a:r>
+                        <a:rPr/>
+                        <a:t>    Sobrepeso</a:t>
+                      </a:r>
+                    </a:p>
+                  </a:txBody>
+                </a:tc>
+                <a:tc>
+                  <a:txBody>
+                    <a:bodyPr/>
+                    <a:lstStyle/>
+                    <a:p>
+                      <a:pPr lvl="0" indent="0" marL="0">
+                        <a:buNone/>
+                      </a:pPr>
+                      <a:r>
+                        <a:rPr/>
+                        <a:t>23.0 (30.7%)</a:t>
+                      </a:r>
+                    </a:p>
+                  </a:txBody>
+                </a:tc>
+                <a:tc>
+                  <a:txBody>
+                    <a:bodyPr/>
+                    <a:lstStyle/>
+                    <a:p>
+                      <a:pPr lvl="0" indent="0" marL="0">
+                        <a:buNone/>
+                      </a:pPr>
+                      <a:r>
+                        <a:rPr/>
+                        <a:t>15.0 (32.6%)</a:t>
+                      </a:r>
+                    </a:p>
+                  </a:txBody>
+                </a:tc>
+                <a:tc>
+                  <a:txBody>
+                    <a:bodyPr/>
+                    <a:lstStyle/>
+                    <a:p>
+                      <a:pPr lvl="0" indent="0" marL="0">
+                        <a:buNone/>
+                      </a:pPr>
+                      <a:r>
+                        <a:rPr/>
+                        <a:t>8.0 (27.6%)</a:t>
+                      </a:r>
+                    </a:p>
+                  </a:txBody>
+                </a:tc>
+                <a:tc>
+                  <a:txBody>
+                    <a:bodyPr/>
+                    <a:lstStyle/>
+                    <a:p>
+                      <a:pPr lvl="0" indent="0" marL="0">
+                        <a:buNone/>
+                      </a:pPr>
+                      <a:br/>
+                    </a:p>
+                  </a:txBody>
+                </a:tc>
+              </a:tr>
+              <a:tr h="0">
+                <a:tc>
+                  <a:txBody>
+                    <a:bodyPr/>
+                    <a:lstStyle/>
+                    <a:p>
+                      <a:pPr lvl="0" indent="0" marL="0">
+                        <a:buNone/>
+                      </a:pPr>
+                      <a:r>
+                        <a:rPr/>
+                        <a:t>Talla para la edad</a:t>
+                      </a:r>
+                    </a:p>
+                  </a:txBody>
+                </a:tc>
+                <a:tc>
+                  <a:txBody>
+                    <a:bodyPr/>
+                    <a:lstStyle/>
+                    <a:p>
+                      <a:pPr lvl="0" indent="0" marL="0">
+                        <a:buNone/>
+                      </a:pPr>
+                      <a:br/>
+                    </a:p>
+                  </a:txBody>
+                </a:tc>
+                <a:tc>
+                  <a:txBody>
+                    <a:bodyPr/>
+                    <a:lstStyle/>
+                    <a:p>
+                      <a:pPr lvl="0" indent="0" marL="0">
+                        <a:buNone/>
+                      </a:pPr>
+                      <a:br/>
+                    </a:p>
+                  </a:txBody>
+                </a:tc>
+                <a:tc>
+                  <a:txBody>
+                    <a:bodyPr/>
+                    <a:lstStyle/>
+                    <a:p>
+                      <a:pPr lvl="0" indent="0" marL="0">
+                        <a:buNone/>
+                      </a:pPr>
+                      <a:br/>
+                    </a:p>
+                  </a:txBody>
+                </a:tc>
+                <a:tc>
+                  <a:txBody>
+                    <a:bodyPr/>
+                    <a:lstStyle/>
+                    <a:p>
+                      <a:pPr lvl="0" indent="0" marL="0">
+                        <a:buNone/>
+                      </a:pPr>
+                      <a:r>
+                        <a:rPr/>
+                        <a:t>0.125</a:t>
+                      </a:r>
+                    </a:p>
+                  </a:txBody>
+                </a:tc>
+              </a:tr>
+              <a:tr h="0">
+                <a:tc>
+                  <a:txBody>
+                    <a:bodyPr/>
+                    <a:lstStyle/>
+                    <a:p>
+                      <a:pPr lvl="0" indent="0" marL="0">
+                        <a:buNone/>
+                      </a:pPr>
+                      <a:r>
+                        <a:rPr/>
+                        <a:t>    Dato faltante</a:t>
+                      </a:r>
+                    </a:p>
+                  </a:txBody>
+                </a:tc>
+                <a:tc>
+                  <a:txBody>
+                    <a:bodyPr/>
+                    <a:lstStyle/>
+                    <a:p>
+                      <a:pPr lvl="0" indent="0" marL="0">
+                        <a:buNone/>
+                      </a:pPr>
+                      <a:r>
+                        <a:rPr/>
+                        <a:t>4.0 (5.3%)</a:t>
+                      </a:r>
+                    </a:p>
+                  </a:txBody>
+                </a:tc>
+                <a:tc>
+                  <a:txBody>
+                    <a:bodyPr/>
+                    <a:lstStyle/>
+                    <a:p>
+                      <a:pPr lvl="0" indent="0" marL="0">
+                        <a:buNone/>
+                      </a:pPr>
+                      <a:r>
+                        <a:rPr/>
+                        <a:t>4.0 (8.7%)</a:t>
+                      </a:r>
+                    </a:p>
+                  </a:txBody>
+                </a:tc>
+                <a:tc>
+                  <a:txBody>
+                    <a:bodyPr/>
+                    <a:lstStyle/>
+                    <a:p>
+                      <a:pPr lvl="0" indent="0" marL="0">
+                        <a:buNone/>
+                      </a:pPr>
+                      <a:r>
+                        <a:rPr/>
+                        <a:t>0.0 (0.0%)</a:t>
+                      </a:r>
+                    </a:p>
+                  </a:txBody>
+                </a:tc>
+                <a:tc>
+                  <a:txBody>
+                    <a:bodyPr/>
+                    <a:lstStyle/>
+                    <a:p>
+                      <a:pPr lvl="0" indent="0" marL="0">
+                        <a:buNone/>
+                      </a:pPr>
+                      <a:br/>
+                    </a:p>
+                  </a:txBody>
+                </a:tc>
+              </a:tr>
+              <a:tr h="0">
+                <a:tc>
+                  <a:txBody>
+                    <a:bodyPr/>
+                    <a:lstStyle/>
+                    <a:p>
+                      <a:pPr lvl="0" indent="0" marL="0">
+                        <a:buNone/>
+                      </a:pPr>
+                      <a:r>
+                        <a:rPr/>
+                        <a:t>    Talla muy alta (revisar)</a:t>
+                      </a:r>
+                    </a:p>
+                  </a:txBody>
+                </a:tc>
+                <a:tc>
+                  <a:txBody>
+                    <a:bodyPr/>
+                    <a:lstStyle/>
+                    <a:p>
+                      <a:pPr lvl="0" indent="0" marL="0">
+                        <a:buNone/>
+                      </a:pPr>
+                      <a:r>
+                        <a:rPr/>
+                        <a:t>1.0 (1.3%)</a:t>
+                      </a:r>
+                    </a:p>
+                  </a:txBody>
+                </a:tc>
+                <a:tc>
+                  <a:txBody>
+                    <a:bodyPr/>
+                    <a:lstStyle/>
+                    <a:p>
+                      <a:pPr lvl="0" indent="0" marL="0">
+                        <a:buNone/>
+                      </a:pPr>
+                      <a:r>
+                        <a:rPr/>
+                        <a:t>0.0 (0.0%)</a:t>
+                      </a:r>
+                    </a:p>
+                  </a:txBody>
+                </a:tc>
+                <a:tc>
+                  <a:txBody>
+                    <a:bodyPr/>
+                    <a:lstStyle/>
+                    <a:p>
+                      <a:pPr lvl="0" indent="0" marL="0">
+                        <a:buNone/>
+                      </a:pPr>
+                      <a:r>
+                        <a:rPr/>
+                        <a:t>1.0 (3.4%)</a:t>
+                      </a:r>
+                    </a:p>
+                  </a:txBody>
+                </a:tc>
+                <a:tc>
+                  <a:txBody>
+                    <a:bodyPr/>
+                    <a:lstStyle/>
+                    <a:p>
+                      <a:pPr lvl="0" indent="0" marL="0">
+                        <a:buNone/>
+                      </a:pPr>
+                      <a:br/>
+                    </a:p>
+                  </a:txBody>
+                </a:tc>
+              </a:tr>
+              <a:tr h="0">
+                <a:tc>
+                  <a:txBody>
+                    <a:bodyPr/>
+                    <a:lstStyle/>
+                    <a:p>
+                      <a:pPr lvl="0" indent="0" marL="0">
+                        <a:buNone/>
+                      </a:pPr>
+                      <a:r>
+                        <a:rPr/>
+                        <a:t>    Talla Normal</a:t>
+                      </a:r>
+                    </a:p>
+                  </a:txBody>
+                </a:tc>
+                <a:tc>
+                  <a:txBody>
+                    <a:bodyPr/>
+                    <a:lstStyle/>
+                    <a:p>
+                      <a:pPr lvl="0" indent="0" marL="0">
+                        <a:buNone/>
+                      </a:pPr>
+                      <a:r>
+                        <a:rPr/>
+                        <a:t>70.0 (93.3%)</a:t>
+                      </a:r>
+                    </a:p>
+                  </a:txBody>
+                </a:tc>
+                <a:tc>
+                  <a:txBody>
+                    <a:bodyPr/>
+                    <a:lstStyle/>
+                    <a:p>
+                      <a:pPr lvl="0" indent="0" marL="0">
+                        <a:buNone/>
+                      </a:pPr>
+                      <a:r>
+                        <a:rPr/>
+                        <a:t>42.0 (91.3%)</a:t>
+                      </a:r>
+                    </a:p>
+                  </a:txBody>
+                </a:tc>
+                <a:tc>
+                  <a:txBody>
+                    <a:bodyPr/>
+                    <a:lstStyle/>
+                    <a:p>
+                      <a:pPr lvl="0" indent="0" marL="0">
+                        <a:buNone/>
+                      </a:pPr>
+                      <a:r>
+                        <a:rPr/>
+                        <a:t>28.0 (96.6%)</a:t>
+                      </a:r>
+                    </a:p>
+                  </a:txBody>
+                </a:tc>
+                <a:tc>
+                  <a:txBody>
+                    <a:bodyPr/>
+                    <a:lstStyle/>
+                    <a:p>
+                      <a:pPr lvl="0" indent="0" marL="0">
+                        <a:buNone/>
+                      </a:pPr>
+                      <a:br/>
+                    </a:p>
+                  </a:txBody>
+                </a:tc>
+              </a:tr>
+              <a:tr h="0">
+                <a:tc>
+                  <a:txBody>
+                    <a:bodyPr/>
+                    <a:lstStyle/>
+                    <a:p>
+                      <a:pPr lvl="0" indent="0" marL="0">
+                        <a:buNone/>
+                      </a:pPr>
+                      <a:r>
+                        <a:rPr/>
+                        <a:t>Dinamometría</a:t>
+                      </a:r>
+                    </a:p>
+                  </a:txBody>
+                </a:tc>
+                <a:tc>
+                  <a:txBody>
+                    <a:bodyPr/>
+                    <a:lstStyle/>
+                    <a:p>
+                      <a:pPr lvl="0" indent="0" marL="0">
+                        <a:buNone/>
+                      </a:pPr>
+                      <a:r>
+                        <a:rPr/>
+                        <a:t>17.47 (15.00, 20.08)</a:t>
+                      </a:r>
+                    </a:p>
+                  </a:txBody>
+                </a:tc>
+                <a:tc>
+                  <a:txBody>
+                    <a:bodyPr/>
+                    <a:lstStyle/>
+                    <a:p>
+                      <a:pPr lvl="0" indent="0" marL="0">
+                        <a:buNone/>
+                      </a:pPr>
+                      <a:r>
+                        <a:rPr/>
+                        <a:t>16.13 (12.33, 19.40)</a:t>
+                      </a:r>
+                    </a:p>
+                  </a:txBody>
+                </a:tc>
+                <a:tc>
+                  <a:txBody>
+                    <a:bodyPr/>
+                    <a:lstStyle/>
+                    <a:p>
+                      <a:pPr lvl="0" indent="0" marL="0">
+                        <a:buNone/>
+                      </a:pPr>
+                      <a:r>
+                        <a:rPr/>
+                        <a:t>18.18 (16.50, 20.33)</a:t>
+                      </a:r>
+                    </a:p>
+                  </a:txBody>
+                </a:tc>
+                <a:tc>
+                  <a:txBody>
+                    <a:bodyPr/>
+                    <a:lstStyle/>
+                    <a:p>
+                      <a:pPr lvl="0" indent="0" marL="0">
+                        <a:buNone/>
+                      </a:pPr>
+                      <a:r>
+                        <a:rPr/>
+                        <a:t>0.017</a:t>
+                      </a:r>
+                    </a:p>
+                  </a:txBody>
+                </a:tc>
+              </a:tr>
+              <a:tr h="0">
+                <a:tc>
+                  <a:txBody>
+                    <a:bodyPr/>
+                    <a:lstStyle/>
+                    <a:p>
+                      <a:pPr lvl="0" indent="0" marL="0">
+                        <a:buNone/>
+                      </a:pPr>
+                      <a:r>
+                        <a:rPr baseline="30000"/>
+                        <a:t>1</a:t>
+                      </a:r>
+                      <a:r>
+                        <a:rPr/>
+                        <a:t> Median (Q1, Q3); n (%)</a:t>
+                      </a:r>
+                    </a:p>
+                  </a:txBody>
+                </a:tc>
+                <a:tc>
+                  <a:txBody>
+                    <a:bodyPr/>
+                    <a:lstStyle/>
+                    <a:p>
+                      <a:endParaRPr/>
+                    </a:p>
+                  </a:txBody>
+                </a:tc>
+                <a:tc>
+                  <a:txBody>
+                    <a:bodyPr/>
+                    <a:lstStyle/>
+                    <a:p>
+                      <a:endParaRPr/>
+                    </a:p>
+                  </a:txBody>
+                </a:tc>
+                <a:tc>
+                  <a:txBody>
+                    <a:bodyPr/>
+                    <a:lstStyle/>
+                    <a:p>
+                      <a:endParaRPr/>
+                    </a:p>
+                  </a:txBody>
+                </a:tc>
+                <a:tc>
+                  <a:txBody>
+                    <a:bodyPr/>
+                    <a:lstStyle/>
+                    <a:p>
+                      <a:endParaRPr/>
+                    </a:p>
+                  </a:txBody>
+                </a:tc>
+              </a:tr>
+              <a:tr h="0">
+                <a:tc>
+                  <a:txBody>
+                    <a:bodyPr/>
+                    <a:lstStyle/>
+                    <a:p>
+                      <a:pPr lvl="0" indent="0" marL="0">
+                        <a:buNone/>
+                      </a:pPr>
+                      <a:r>
+                        <a:rPr baseline="30000"/>
+                        <a:t>2</a:t>
+                      </a:r>
+                      <a:r>
+                        <a:rPr/>
+                        <a:t> Wilcoxon rank sum exact test; Wilcoxon rank sum test; Pearson’s Chi-squared test; Fisher’s exact test</a:t>
+                      </a:r>
+                    </a:p>
+                  </a:txBody>
+                </a:tc>
+                <a:tc>
+                  <a:txBody>
+                    <a:bodyPr/>
+                    <a:lstStyle/>
+                    <a:p>
+                      <a:endParaRPr/>
+                    </a:p>
+                  </a:txBody>
+                </a:tc>
+                <a:tc>
+                  <a:txBody>
+                    <a:bodyPr/>
+                    <a:lstStyle/>
+                    <a:p>
+                      <a:endParaRPr/>
+                    </a:p>
+                  </a:txBody>
+                </a:tc>
+                <a:tc>
+                  <a:txBody>
+                    <a:bodyPr/>
+                    <a:lstStyle/>
+                    <a:p>
+                      <a:endParaRPr/>
+                    </a:p>
+                  </a:txBody>
+                </a:tc>
+                <a:tc>
+                  <a:txBody>
+                    <a:bodyPr/>
+                    <a:lstStyle/>
+                    <a:p>
+                      <a:endParaRPr/>
+                    </a:p>
+                  </a:txBody>
+                </a:tc>
+              </a:tr>
+            </a:tbl>
+          </a:graphicData>
+        </a:graphic>
+      </p:graphicFrame>
+      <p:sp>
+        <p:nvSpPr>
+          <p:cNvPr id="1" name="TextBox 3"/>
+          <p:cNvSpPr txBox="1"/>
+          <p:nvPr/>
+        </p:nvSpPr>
+        <p:spPr>
+          <a:xfrm>
+            <a:off x="457200" y="4076700"/>
+            <a:ext cx="8229600" cy="508000"/>
+          </a:xfrm>
+          <a:prstGeom prst="rect">
+            <a:avLst/>
+          </a:prstGeom>
+          <a:noFill/>
+        </p:spPr>
+        <p:txBody>
+          <a:bodyPr/>
+          <a:lstStyle/>
+          <a:p>
+            <a:pPr lvl="0" indent="0" marL="0" algn="ctr">
+              <a:buNone/>
+            </a:pPr>
+            <a:r>
+              <a:rPr b="1"/>
+              <a:t>Tabla 3. Grasa corporal</a:t>
+            </a:r>
+            <a:r>
+              <a:rPr/>
+              <a:t> N = 75</a:t>
+            </a:r>
+          </a:p>
+        </p:txBody>
+      </p:sp>
     </p:spTree>
   </p:cSld>
 </p:sld>
